--- a/ch.bfh.btx8081.w2013.blue/doc/task02/task02.pptx
+++ b/ch.bfh.btx8081.w2013.blue/doc/task02/task02.pptx
@@ -110,7 +110,7 @@
   </p:defaultTextStyle>
   <p:extLst>
     <p:ext uri="{EFAFB233-063F-42B5-8137-9DF3F51BA10A}">
-      <p15:sldGuideLst xmlns:p15="http://schemas.microsoft.com/office/powerpoint/2012/main">
+      <p15:sldGuideLst xmlns:p15="http://schemas.microsoft.com/office/powerpoint/2012/main" xmlns="">
         <p15:guide id="1" orient="horz" pos="2160">
           <p15:clr>
             <a:srgbClr val="A4A3A4"/>
@@ -351,7 +351,7 @@
           <a:p>
             <a:fld id="{7CE38E4D-051A-41E1-86A4-E56916468FD0}" type="datetimeFigureOut">
               <a:rPr lang="en-US" smtClean="0"/>
-              <a:t>9/26/2013</a:t>
+              <a:t>27.09.13</a:t>
             </a:fld>
             <a:endParaRPr lang="en-US"/>
           </a:p>
@@ -422,7 +422,7 @@
           <a:p>
             <a:fld id="{886BB73A-582F-4420-9A14-CB10A2B2E5E8}" type="slidenum">
               <a:rPr lang="en-US" smtClean="0"/>
-              <a:t>‹#›</a:t>
+              <a:t>‹Nr.›</a:t>
             </a:fld>
             <a:endParaRPr lang="en-US"/>
           </a:p>
@@ -685,7 +685,7 @@
           <a:p>
             <a:fld id="{7CE38E4D-051A-41E1-86A4-E56916468FD0}" type="datetimeFigureOut">
               <a:rPr lang="en-US" smtClean="0"/>
-              <a:t>9/26/2013</a:t>
+              <a:t>27.09.13</a:t>
             </a:fld>
             <a:endParaRPr lang="en-US"/>
           </a:p>
@@ -727,7 +727,7 @@
           <a:p>
             <a:fld id="{886BB73A-582F-4420-9A14-CB10A2B2E5E8}" type="slidenum">
               <a:rPr lang="en-US" smtClean="0"/>
-              <a:t>‹#›</a:t>
+              <a:t>‹Nr.›</a:t>
             </a:fld>
             <a:endParaRPr lang="en-US"/>
           </a:p>
@@ -924,7 +924,7 @@
           <a:p>
             <a:fld id="{7CE38E4D-051A-41E1-86A4-E56916468FD0}" type="datetimeFigureOut">
               <a:rPr lang="en-US" smtClean="0"/>
-              <a:t>9/26/2013</a:t>
+              <a:t>27.09.13</a:t>
             </a:fld>
             <a:endParaRPr lang="en-US"/>
           </a:p>
@@ -1224,7 +1224,7 @@
           <a:p>
             <a:fld id="{7CE38E4D-051A-41E1-86A4-E56916468FD0}" type="datetimeFigureOut">
               <a:rPr lang="en-US" smtClean="0"/>
-              <a:t>9/26/2013</a:t>
+              <a:t>27.09.13</a:t>
             </a:fld>
             <a:endParaRPr lang="en-US"/>
           </a:p>
@@ -1440,7 +1440,7 @@
           <a:p>
             <a:fld id="{7CE38E4D-051A-41E1-86A4-E56916468FD0}" type="datetimeFigureOut">
               <a:rPr lang="en-US" smtClean="0"/>
-              <a:t>9/26/2013</a:t>
+              <a:t>27.09.13</a:t>
             </a:fld>
             <a:endParaRPr lang="en-US"/>
           </a:p>
@@ -1586,7 +1586,7 @@
           <a:p>
             <a:fld id="{886BB73A-582F-4420-9A14-CB10A2B2E5E8}" type="slidenum">
               <a:rPr lang="en-US" smtClean="0"/>
-              <a:t>‹#›</a:t>
+              <a:t>‹Nr.›</a:t>
             </a:fld>
             <a:endParaRPr lang="en-US"/>
           </a:p>
@@ -1800,7 +1800,7 @@
           <a:p>
             <a:fld id="{7CE38E4D-051A-41E1-86A4-E56916468FD0}" type="datetimeFigureOut">
               <a:rPr lang="en-US" smtClean="0"/>
-              <a:t>9/26/2013</a:t>
+              <a:t>27.09.13</a:t>
             </a:fld>
             <a:endParaRPr lang="en-US"/>
           </a:p>
@@ -1842,7 +1842,7 @@
           <a:p>
             <a:fld id="{886BB73A-582F-4420-9A14-CB10A2B2E5E8}" type="slidenum">
               <a:rPr lang="en-US" smtClean="0"/>
-              <a:t>‹#›</a:t>
+              <a:t>‹Nr.›</a:t>
             </a:fld>
             <a:endParaRPr lang="en-US"/>
           </a:p>
@@ -2067,7 +2067,7 @@
           <a:p>
             <a:fld id="{7CE38E4D-051A-41E1-86A4-E56916468FD0}" type="datetimeFigureOut">
               <a:rPr lang="en-US" smtClean="0"/>
-              <a:t>9/26/2013</a:t>
+              <a:t>27.09.13</a:t>
             </a:fld>
             <a:endParaRPr lang="en-US"/>
           </a:p>
@@ -2109,7 +2109,7 @@
           <a:p>
             <a:fld id="{886BB73A-582F-4420-9A14-CB10A2B2E5E8}" type="slidenum">
               <a:rPr lang="en-US" smtClean="0"/>
-              <a:t>‹#›</a:t>
+              <a:t>‹Nr.›</a:t>
             </a:fld>
             <a:endParaRPr lang="en-US"/>
           </a:p>
@@ -2157,7 +2157,7 @@
           <a:p>
             <a:fld id="{7CE38E4D-051A-41E1-86A4-E56916468FD0}" type="datetimeFigureOut">
               <a:rPr lang="en-US" smtClean="0"/>
-              <a:t>9/26/2013</a:t>
+              <a:t>27.09.13</a:t>
             </a:fld>
             <a:endParaRPr lang="en-US"/>
           </a:p>
@@ -2199,7 +2199,7 @@
           <a:p>
             <a:fld id="{886BB73A-582F-4420-9A14-CB10A2B2E5E8}" type="slidenum">
               <a:rPr lang="en-US" smtClean="0"/>
-              <a:t>‹#›</a:t>
+              <a:t>‹Nr.›</a:t>
             </a:fld>
             <a:endParaRPr lang="en-US"/>
           </a:p>
@@ -2458,7 +2458,7 @@
           <a:p>
             <a:fld id="{7CE38E4D-051A-41E1-86A4-E56916468FD0}" type="datetimeFigureOut">
               <a:rPr lang="en-US" smtClean="0"/>
-              <a:t>9/26/2013</a:t>
+              <a:t>27.09.13</a:t>
             </a:fld>
             <a:endParaRPr lang="en-US"/>
           </a:p>
@@ -2500,7 +2500,7 @@
           <a:p>
             <a:fld id="{886BB73A-582F-4420-9A14-CB10A2B2E5E8}" type="slidenum">
               <a:rPr lang="en-US" smtClean="0"/>
-              <a:t>‹#›</a:t>
+              <a:t>‹Nr.›</a:t>
             </a:fld>
             <a:endParaRPr lang="en-US"/>
           </a:p>
@@ -2764,7 +2764,7 @@
           <a:p>
             <a:fld id="{7CE38E4D-051A-41E1-86A4-E56916468FD0}" type="datetimeFigureOut">
               <a:rPr lang="en-US" smtClean="0"/>
-              <a:t>9/26/2013</a:t>
+              <a:t>27.09.13</a:t>
             </a:fld>
             <a:endParaRPr lang="en-US"/>
           </a:p>
@@ -2806,7 +2806,7 @@
           <a:p>
             <a:fld id="{886BB73A-582F-4420-9A14-CB10A2B2E5E8}" type="slidenum">
               <a:rPr lang="en-US" smtClean="0"/>
-              <a:t>‹#›</a:t>
+              <a:t>‹Nr.›</a:t>
             </a:fld>
             <a:endParaRPr lang="en-US"/>
           </a:p>
@@ -3044,7 +3044,7 @@
           <a:p>
             <a:fld id="{7CE38E4D-051A-41E1-86A4-E56916468FD0}" type="datetimeFigureOut">
               <a:rPr lang="en-US" smtClean="0"/>
-              <a:t>9/26/2013</a:t>
+              <a:t>27.09.13</a:t>
             </a:fld>
             <a:endParaRPr lang="en-US"/>
           </a:p>
@@ -3086,7 +3086,7 @@
           <a:p>
             <a:fld id="{886BB73A-582F-4420-9A14-CB10A2B2E5E8}" type="slidenum">
               <a:rPr lang="en-US" smtClean="0"/>
-              <a:t>‹#›</a:t>
+              <a:t>‹Nr.›</a:t>
             </a:fld>
             <a:endParaRPr lang="en-US"/>
           </a:p>
@@ -3452,7 +3452,7 @@
           <a:p>
             <a:fld id="{7CE38E4D-051A-41E1-86A4-E56916468FD0}" type="datetimeFigureOut">
               <a:rPr lang="en-US" smtClean="0"/>
-              <a:t>9/26/2013</a:t>
+              <a:t>27.09.13</a:t>
             </a:fld>
             <a:endParaRPr lang="en-US"/>
           </a:p>
@@ -3494,7 +3494,7 @@
           <a:p>
             <a:fld id="{886BB73A-582F-4420-9A14-CB10A2B2E5E8}" type="slidenum">
               <a:rPr lang="en-US" smtClean="0"/>
-              <a:t>‹#›</a:t>
+              <a:t>‹Nr.›</a:t>
             </a:fld>
             <a:endParaRPr lang="en-US"/>
           </a:p>
@@ -4012,7 +4012,7 @@
           <a:p>
             <a:fld id="{7CE38E4D-051A-41E1-86A4-E56916468FD0}" type="datetimeFigureOut">
               <a:rPr lang="en-US" smtClean="0"/>
-              <a:t>9/26/2013</a:t>
+              <a:t>27.09.13</a:t>
             </a:fld>
             <a:endParaRPr lang="en-US"/>
           </a:p>
@@ -4054,7 +4054,7 @@
           <a:p>
             <a:fld id="{886BB73A-582F-4420-9A14-CB10A2B2E5E8}" type="slidenum">
               <a:rPr lang="en-US" smtClean="0"/>
-              <a:t>‹#›</a:t>
+              <a:t>‹Nr.›</a:t>
             </a:fld>
             <a:endParaRPr lang="en-US"/>
           </a:p>
@@ -4160,7 +4160,7 @@
           <a:p>
             <a:fld id="{7CE38E4D-051A-41E1-86A4-E56916468FD0}" type="datetimeFigureOut">
               <a:rPr lang="en-US" smtClean="0"/>
-              <a:t>9/26/2013</a:t>
+              <a:t>27.09.13</a:t>
             </a:fld>
             <a:endParaRPr lang="en-US"/>
           </a:p>
@@ -4202,7 +4202,7 @@
           <a:p>
             <a:fld id="{886BB73A-582F-4420-9A14-CB10A2B2E5E8}" type="slidenum">
               <a:rPr lang="en-US" smtClean="0"/>
-              <a:t>‹#›</a:t>
+              <a:t>‹Nr.›</a:t>
             </a:fld>
             <a:endParaRPr lang="en-US"/>
           </a:p>
@@ -4250,7 +4250,7 @@
           <a:p>
             <a:fld id="{7CE38E4D-051A-41E1-86A4-E56916468FD0}" type="datetimeFigureOut">
               <a:rPr lang="en-US" smtClean="0"/>
-              <a:t>9/26/2013</a:t>
+              <a:t>27.09.13</a:t>
             </a:fld>
             <a:endParaRPr lang="en-US"/>
           </a:p>
@@ -4292,7 +4292,7 @@
           <a:p>
             <a:fld id="{886BB73A-582F-4420-9A14-CB10A2B2E5E8}" type="slidenum">
               <a:rPr lang="en-US" smtClean="0"/>
-              <a:t>‹#›</a:t>
+              <a:t>‹Nr.›</a:t>
             </a:fld>
             <a:endParaRPr lang="en-US"/>
           </a:p>
@@ -4592,7 +4592,7 @@
           <a:p>
             <a:fld id="{7CE38E4D-051A-41E1-86A4-E56916468FD0}" type="datetimeFigureOut">
               <a:rPr lang="en-US" smtClean="0"/>
-              <a:t>9/26/2013</a:t>
+              <a:t>27.09.13</a:t>
             </a:fld>
             <a:endParaRPr lang="en-US"/>
           </a:p>
@@ -4634,7 +4634,7 @@
           <a:p>
             <a:fld id="{886BB73A-582F-4420-9A14-CB10A2B2E5E8}" type="slidenum">
               <a:rPr lang="en-US" smtClean="0"/>
-              <a:t>‹#›</a:t>
+              <a:t>‹Nr.›</a:t>
             </a:fld>
             <a:endParaRPr lang="en-US"/>
           </a:p>
@@ -4801,7 +4801,7 @@
           <a:p>
             <a:fld id="{7CE38E4D-051A-41E1-86A4-E56916468FD0}" type="datetimeFigureOut">
               <a:rPr lang="en-US" smtClean="0"/>
-              <a:t>9/26/2013</a:t>
+              <a:t>27.09.13</a:t>
             </a:fld>
             <a:endParaRPr lang="en-US"/>
           </a:p>
@@ -4878,7 +4878,7 @@
           <a:p>
             <a:fld id="{886BB73A-582F-4420-9A14-CB10A2B2E5E8}" type="slidenum">
               <a:rPr lang="en-US" smtClean="0"/>
-              <a:t>‹#›</a:t>
+              <a:t>‹Nr.›</a:t>
             </a:fld>
             <a:endParaRPr lang="en-US"/>
           </a:p>
@@ -5380,7 +5380,7 @@
   <p:timing>
     <p:tnLst>
       <p:par>
-        <p:cTn id="1" dur="indefinite" restart="never" nodeType="tmRoot"/>
+        <p:cTn xmlns:p14="http://schemas.microsoft.com/office/powerpoint/2010/main" id="1" dur="indefinite" restart="never" nodeType="tmRoot"/>
       </p:par>
     </p:tnLst>
   </p:timing>
@@ -5910,7 +5910,7 @@
   <p:timing>
     <p:tnLst>
       <p:par>
-        <p:cTn id="1" dur="indefinite" restart="never" nodeType="tmRoot"/>
+        <p:cTn xmlns:p14="http://schemas.microsoft.com/office/powerpoint/2010/main" id="1" dur="indefinite" restart="never" nodeType="tmRoot"/>
       </p:par>
     </p:tnLst>
   </p:timing>
@@ -6477,7 +6477,7 @@
   <p:timing>
     <p:tnLst>
       <p:par>
-        <p:cTn id="1" dur="indefinite" restart="never" nodeType="tmRoot"/>
+        <p:cTn xmlns:p14="http://schemas.microsoft.com/office/powerpoint/2010/main" id="1" dur="indefinite" restart="never" nodeType="tmRoot"/>
       </p:par>
     </p:tnLst>
   </p:timing>
@@ -6910,7 +6910,7 @@
   <p:timing>
     <p:tnLst>
       <p:par>
-        <p:cTn id="1" dur="indefinite" restart="never" nodeType="tmRoot"/>
+        <p:cTn xmlns:p14="http://schemas.microsoft.com/office/powerpoint/2010/main" id="1" dur="indefinite" restart="never" nodeType="tmRoot"/>
       </p:par>
     </p:tnLst>
   </p:timing>
@@ -6979,14 +6979,14 @@
             <p:ph idx="1"/>
             <p:extLst>
               <p:ext uri="{D42A27DB-BD31-4B8C-83A1-F6EECF244321}">
-                <p14:modId xmlns:p14="http://schemas.microsoft.com/office/powerpoint/2010/main" val="4273954711"/>
+                <p14:modId xmlns:p14="http://schemas.microsoft.com/office/powerpoint/2010/main" val="4015474402"/>
               </p:ext>
             </p:extLst>
           </p:nvPr>
         </p:nvGraphicFramePr>
         <p:xfrm>
           <a:off x="415925" y="2755900"/>
-          <a:ext cx="8308974" cy="3576320"/>
+          <a:ext cx="8308974" cy="3576319"/>
         </p:xfrm>
         <a:graphic>
           <a:graphicData uri="http://schemas.openxmlformats.org/drawingml/2006/table">
@@ -7374,8 +7374,8 @@
                     <a:p>
                       <a:pPr algn="l"/>
                       <a:r>
-                        <a:rPr lang="de-AT" dirty="0" err="1" smtClean="0"/>
-                        <a:t>aplying</a:t>
+                        <a:rPr lang="de-AT" smtClean="0"/>
+                        <a:t>applying</a:t>
                       </a:r>
                       <a:r>
                         <a:rPr lang="de-AT" baseline="0" dirty="0" smtClean="0"/>
@@ -7478,7 +7478,7 @@
   <p:timing>
     <p:tnLst>
       <p:par>
-        <p:cTn id="1" dur="indefinite" restart="never" nodeType="tmRoot"/>
+        <p:cTn xmlns:p14="http://schemas.microsoft.com/office/powerpoint/2010/main" id="1" dur="indefinite" restart="never" nodeType="tmRoot"/>
       </p:par>
     </p:tnLst>
   </p:timing>

--- a/ch.bfh.btx8081.w2013.blue/doc/task02/task02.pptx
+++ b/ch.bfh.btx8081.w2013.blue/doc/task02/task02.pptx
@@ -110,7 +110,7 @@
   </p:defaultTextStyle>
   <p:extLst>
     <p:ext uri="{EFAFB233-063F-42B5-8137-9DF3F51BA10A}">
-      <p15:sldGuideLst xmlns:p15="http://schemas.microsoft.com/office/powerpoint/2012/main" xmlns="">
+      <p15:sldGuideLst xmlns="" xmlns:p15="http://schemas.microsoft.com/office/powerpoint/2012/main">
         <p15:guide id="1" orient="horz" pos="2160">
           <p15:clr>
             <a:srgbClr val="A4A3A4"/>
@@ -5532,11 +5532,15 @@
             </a:r>
             <a:r>
               <a:rPr lang="de-DE" dirty="0" err="1" smtClean="0"/>
-              <a:t>asigning</a:t>
+              <a:t>assigning</a:t>
             </a:r>
             <a:r>
               <a:rPr lang="de-DE" dirty="0" smtClean="0"/>
-              <a:t> (</a:t>
+              <a:t> </a:t>
+            </a:r>
+            <a:r>
+              <a:rPr lang="de-DE" dirty="0" smtClean="0"/>
+              <a:t>(</a:t>
             </a:r>
             <a:r>
               <a:rPr lang="de-DE" dirty="0" err="1" smtClean="0"/>
@@ -5696,91 +5700,91 @@
           <a:p>
             <a:pPr lvl="2"/>
             <a:r>
-              <a:rPr lang="de-DE" sz="1600" dirty="0" err="1" smtClean="0"/>
+              <a:rPr lang="de-DE" dirty="0" err="1" smtClean="0"/>
               <a:t>is</a:t>
             </a:r>
             <a:r>
-              <a:rPr lang="de-DE" sz="1600" dirty="0" smtClean="0"/>
-              <a:t> </a:t>
-            </a:r>
-            <a:r>
-              <a:rPr lang="de-DE" sz="1600" dirty="0" err="1" smtClean="0"/>
+              <a:rPr lang="de-DE" dirty="0" smtClean="0"/>
+              <a:t> </a:t>
+            </a:r>
+            <a:r>
+              <a:rPr lang="de-DE" dirty="0" err="1" smtClean="0"/>
               <a:t>focused</a:t>
             </a:r>
             <a:r>
-              <a:rPr lang="de-DE" sz="1600" dirty="0" smtClean="0"/>
+              <a:rPr lang="de-DE" dirty="0" smtClean="0"/>
               <a:t> on </a:t>
             </a:r>
             <a:r>
-              <a:rPr lang="de-DE" sz="1600" dirty="0" err="1" smtClean="0"/>
+              <a:rPr lang="de-DE" dirty="0" err="1" smtClean="0"/>
               <a:t>the</a:t>
             </a:r>
             <a:r>
-              <a:rPr lang="de-DE" sz="1600" dirty="0" smtClean="0"/>
-              <a:t> </a:t>
-            </a:r>
-            <a:r>
-              <a:rPr lang="de-DE" sz="1600" dirty="0" err="1" smtClean="0"/>
+              <a:rPr lang="de-DE" dirty="0" smtClean="0"/>
+              <a:t> </a:t>
+            </a:r>
+            <a:r>
+              <a:rPr lang="de-DE" dirty="0" err="1" smtClean="0"/>
               <a:t>technical</a:t>
             </a:r>
             <a:r>
-              <a:rPr lang="de-DE" sz="1600" dirty="0" smtClean="0"/>
+              <a:rPr lang="de-DE" dirty="0" smtClean="0"/>
               <a:t> AND </a:t>
             </a:r>
             <a:r>
-              <a:rPr lang="de-DE" sz="1600" dirty="0" err="1" smtClean="0"/>
+              <a:rPr lang="de-DE" dirty="0" err="1" smtClean="0"/>
               <a:t>social</a:t>
             </a:r>
             <a:r>
-              <a:rPr lang="de-DE" sz="1600" dirty="0" smtClean="0"/>
-              <a:t> </a:t>
-            </a:r>
-            <a:r>
-              <a:rPr lang="de-DE" sz="1600" dirty="0" err="1" smtClean="0"/>
+              <a:rPr lang="de-DE" dirty="0" smtClean="0"/>
+              <a:t> </a:t>
+            </a:r>
+            <a:r>
+              <a:rPr lang="de-DE" dirty="0" err="1" smtClean="0"/>
               <a:t>problems</a:t>
             </a:r>
             <a:r>
-              <a:rPr lang="de-DE" sz="1600" dirty="0" smtClean="0"/>
-              <a:t> </a:t>
-            </a:r>
-            <a:r>
-              <a:rPr lang="de-DE" sz="1600" dirty="0" err="1" smtClean="0"/>
+              <a:rPr lang="de-DE" dirty="0" smtClean="0"/>
+              <a:t> </a:t>
+            </a:r>
+            <a:r>
+              <a:rPr lang="de-DE" dirty="0" err="1" smtClean="0"/>
               <a:t>of</a:t>
             </a:r>
             <a:r>
-              <a:rPr lang="de-DE" sz="1600" dirty="0" smtClean="0"/>
-              <a:t> </a:t>
-            </a:r>
-            <a:r>
-              <a:rPr lang="de-DE" sz="1600" dirty="0" err="1" smtClean="0"/>
+              <a:rPr lang="de-DE" dirty="0" smtClean="0"/>
+              <a:t> </a:t>
+            </a:r>
+            <a:r>
+              <a:rPr lang="de-DE" dirty="0" err="1" smtClean="0"/>
               <a:t>the</a:t>
             </a:r>
             <a:r>
-              <a:rPr lang="de-DE" sz="1600" dirty="0" smtClean="0"/>
-              <a:t> </a:t>
-            </a:r>
-            <a:r>
-              <a:rPr lang="de-DE" sz="1600" dirty="0" err="1" smtClean="0"/>
+              <a:rPr lang="de-DE" dirty="0" smtClean="0"/>
+              <a:t> </a:t>
+            </a:r>
+            <a:r>
+              <a:rPr lang="de-DE" dirty="0" err="1" smtClean="0"/>
               <a:t>project</a:t>
             </a:r>
             <a:r>
-              <a:rPr lang="de-DE" sz="1600" dirty="0" smtClean="0"/>
+              <a:rPr lang="de-DE" dirty="0" smtClean="0"/>
               <a:t> (</a:t>
             </a:r>
             <a:r>
-              <a:rPr lang="de-DE" sz="1600" dirty="0" err="1" smtClean="0"/>
+              <a:rPr lang="de-DE" dirty="0" err="1" smtClean="0"/>
               <a:t>customer</a:t>
             </a:r>
             <a:r>
-              <a:rPr lang="de-DE" sz="1600" dirty="0" smtClean="0"/>
-              <a:t> </a:t>
-            </a:r>
-            <a:r>
-              <a:rPr lang="de-DE" sz="1600" dirty="0" err="1" smtClean="0"/>
+              <a:rPr lang="de-DE" dirty="0" smtClean="0"/>
+              <a:t> </a:t>
+            </a:r>
+            <a:r>
+              <a:rPr lang="de-DE" dirty="0" err="1" smtClean="0"/>
               <a:t>involvement</a:t>
             </a:r>
             <a:r>
-              <a:rPr lang="de-DE" sz="1600" dirty="0" smtClean="0"/>
+              <a:rPr lang="de-DE" dirty="0" smtClean="0"/>
               <a:t>)</a:t>
             </a:r>
           </a:p>
@@ -5986,7 +5990,7 @@
         <p:spPr/>
         <p:txBody>
           <a:bodyPr>
-            <a:normAutofit/>
+            <a:normAutofit lnSpcReduction="10000"/>
           </a:bodyPr>
           <a:lstStyle/>
           <a:p>
@@ -6135,7 +6139,7 @@
             </a:r>
             <a:r>
               <a:rPr lang="de-DE" i="1" dirty="0" smtClean="0"/>
-              <a:t> expensive </a:t>
+              <a:t> time-expensive </a:t>
             </a:r>
             <a:r>
               <a:rPr lang="de-DE" i="1" dirty="0" err="1" smtClean="0"/>
@@ -6334,7 +6338,7 @@
             </a:r>
             <a:r>
               <a:rPr lang="de-DE" i="1" dirty="0" err="1" smtClean="0"/>
-              <a:t>to</a:t>
+              <a:t>too</a:t>
             </a:r>
             <a:r>
               <a:rPr lang="de-DE" i="1" dirty="0" smtClean="0"/>
@@ -6402,8 +6406,12 @@
           <a:p>
             <a:pPr lvl="1"/>
             <a:r>
+              <a:rPr lang="de-DE" dirty="0" err="1"/>
+              <a:t>c</a:t>
+            </a:r>
+            <a:r>
               <a:rPr lang="de-DE" dirty="0" err="1" smtClean="0"/>
-              <a:t>no</a:t>
+              <a:t>ustomer</a:t>
             </a:r>
             <a:r>
               <a:rPr lang="de-DE" dirty="0" smtClean="0"/>
@@ -6411,39 +6419,59 @@
             </a:r>
             <a:r>
               <a:rPr lang="de-DE" dirty="0" err="1" smtClean="0"/>
-              <a:t>clear</a:t>
+              <a:t>is</a:t>
             </a:r>
             <a:r>
               <a:rPr lang="de-DE" dirty="0" smtClean="0"/>
-              <a:t> </a:t>
+              <a:t> not </a:t>
             </a:r>
             <a:r>
               <a:rPr lang="de-DE" dirty="0" err="1" smtClean="0"/>
-              <a:t>contact</a:t>
+              <a:t>available</a:t>
+            </a:r>
+            <a:endParaRPr lang="de-DE" dirty="0" smtClean="0"/>
+          </a:p>
+          <a:p>
+            <a:pPr lvl="1"/>
+            <a:r>
+              <a:rPr lang="de-DE" dirty="0"/>
+              <a:t>f</a:t>
             </a:r>
             <a:r>
               <a:rPr lang="de-DE" dirty="0" smtClean="0"/>
-              <a:t> </a:t>
+              <a:t>inal </a:t>
             </a:r>
             <a:r>
               <a:rPr lang="de-DE" dirty="0" err="1" smtClean="0"/>
-              <a:t>person</a:t>
+              <a:t>result</a:t>
             </a:r>
             <a:r>
               <a:rPr lang="de-DE" dirty="0" smtClean="0"/>
-              <a:t> on </a:t>
+              <a:t> </a:t>
             </a:r>
             <a:r>
               <a:rPr lang="de-DE" dirty="0" err="1" smtClean="0"/>
-              <a:t>the</a:t>
-            </a:r>
-            <a:r>
-              <a:rPr lang="de-DE" dirty="0"/>
-              <a:t> </a:t>
+              <a:t>is</a:t>
+            </a:r>
+            <a:r>
+              <a:rPr lang="de-DE" dirty="0" smtClean="0"/>
+              <a:t> not </a:t>
             </a:r>
             <a:r>
               <a:rPr lang="de-DE" dirty="0" err="1" smtClean="0"/>
-              <a:t>developer</a:t>
+              <a:t>visible</a:t>
+            </a:r>
+            <a:endParaRPr lang="de-DE" dirty="0" smtClean="0"/>
+          </a:p>
+          <a:p>
+            <a:pPr lvl="1"/>
+            <a:r>
+              <a:rPr lang="de-DE" dirty="0" err="1"/>
+              <a:t>c</a:t>
+            </a:r>
+            <a:r>
+              <a:rPr lang="de-DE" dirty="0" err="1" smtClean="0"/>
+              <a:t>omplexity</a:t>
             </a:r>
             <a:r>
               <a:rPr lang="de-DE" dirty="0" smtClean="0"/>
@@ -6451,7 +6479,23 @@
             </a:r>
             <a:r>
               <a:rPr lang="de-DE" dirty="0" err="1" smtClean="0"/>
-              <a:t>side</a:t>
+              <a:t>might</a:t>
+            </a:r>
+            <a:r>
+              <a:rPr lang="de-DE" dirty="0" smtClean="0"/>
+              <a:t> </a:t>
+            </a:r>
+            <a:r>
+              <a:rPr lang="de-DE" dirty="0" err="1" smtClean="0"/>
+              <a:t>be</a:t>
+            </a:r>
+            <a:r>
+              <a:rPr lang="de-DE" dirty="0" smtClean="0"/>
+              <a:t> a </a:t>
+            </a:r>
+            <a:r>
+              <a:rPr lang="de-DE" dirty="0" err="1" smtClean="0"/>
+              <a:t>problem</a:t>
             </a:r>
             <a:endParaRPr lang="de-DE" dirty="0" smtClean="0"/>
           </a:p>
@@ -6559,7 +6603,7 @@
             <a:pPr lvl="1"/>
             <a:r>
               <a:rPr lang="de-DE" sz="2200" dirty="0" err="1" smtClean="0"/>
-              <a:t>Because</a:t>
+              <a:t>we</a:t>
             </a:r>
             <a:r>
               <a:rPr lang="de-DE" sz="2200" dirty="0" smtClean="0"/>
@@ -6567,11 +6611,87 @@
             </a:r>
             <a:r>
               <a:rPr lang="de-DE" sz="2200" dirty="0" err="1" smtClean="0"/>
-              <a:t>of</a:t>
+              <a:t>are</a:t>
             </a:r>
             <a:r>
               <a:rPr lang="de-DE" sz="2200" dirty="0" smtClean="0"/>
               <a:t> </a:t>
+            </a:r>
+            <a:r>
+              <a:rPr lang="de-DE" sz="2200" dirty="0" err="1" smtClean="0"/>
+              <a:t>going</a:t>
+            </a:r>
+            <a:r>
+              <a:rPr lang="de-DE" sz="2200" dirty="0" smtClean="0"/>
+              <a:t> </a:t>
+            </a:r>
+            <a:r>
+              <a:rPr lang="de-DE" sz="2200" dirty="0" err="1" smtClean="0"/>
+              <a:t>to</a:t>
+            </a:r>
+            <a:r>
+              <a:rPr lang="de-DE" sz="2200" dirty="0" smtClean="0"/>
+              <a:t> </a:t>
+            </a:r>
+            <a:r>
+              <a:rPr lang="de-DE" sz="2200" dirty="0" err="1" smtClean="0"/>
+              <a:t>use</a:t>
+            </a:r>
+            <a:r>
+              <a:rPr lang="de-DE" sz="2200" dirty="0" smtClean="0"/>
+              <a:t> an agile </a:t>
+            </a:r>
+            <a:r>
+              <a:rPr lang="de-DE" sz="2200" dirty="0" err="1" smtClean="0"/>
+              <a:t>development</a:t>
+            </a:r>
+            <a:r>
+              <a:rPr lang="de-DE" sz="2200" dirty="0" smtClean="0"/>
+              <a:t> </a:t>
+            </a:r>
+            <a:r>
+              <a:rPr lang="de-DE" sz="2200" dirty="0" err="1" smtClean="0"/>
+              <a:t>system</a:t>
+            </a:r>
+            <a:endParaRPr lang="de-DE" sz="2200" dirty="0" smtClean="0"/>
+          </a:p>
+          <a:p>
+            <a:pPr lvl="1"/>
+            <a:r>
+              <a:rPr lang="de-DE" sz="2200" dirty="0" err="1"/>
+              <a:t>a</a:t>
+            </a:r>
+            <a:r>
+              <a:rPr lang="de-DE" sz="2200" dirty="0" err="1" smtClean="0"/>
+              <a:t>ccording</a:t>
+            </a:r>
+            <a:r>
+              <a:rPr lang="de-DE" sz="2200" dirty="0" smtClean="0"/>
+              <a:t> </a:t>
+            </a:r>
+            <a:r>
+              <a:rPr lang="de-DE" sz="2200" dirty="0" err="1" smtClean="0"/>
+              <a:t>to</a:t>
+            </a:r>
+            <a:r>
+              <a:rPr lang="de-DE" sz="2200" dirty="0" smtClean="0"/>
+              <a:t> </a:t>
+            </a:r>
+            <a:r>
+              <a:rPr lang="de-DE" sz="2200" dirty="0" err="1" smtClean="0"/>
+              <a:t>our</a:t>
+            </a:r>
+            <a:r>
+              <a:rPr lang="de-DE" sz="2200" dirty="0" smtClean="0"/>
+              <a:t> </a:t>
+            </a:r>
+            <a:r>
+              <a:rPr lang="de-DE" sz="2200" dirty="0" err="1" smtClean="0"/>
+              <a:t>knowledge</a:t>
+            </a:r>
+            <a:r>
+              <a:rPr lang="de-DE" sz="2200" dirty="0" smtClean="0"/>
+              <a:t> at </a:t>
             </a:r>
             <a:r>
               <a:rPr lang="de-DE" sz="2200" dirty="0" err="1" smtClean="0"/>
@@ -6583,27 +6703,11 @@
             </a:r>
             <a:r>
               <a:rPr lang="de-DE" sz="2200" dirty="0" err="1" smtClean="0"/>
-              <a:t>previously</a:t>
+              <a:t>moment</a:t>
             </a:r>
             <a:r>
               <a:rPr lang="de-DE" sz="2200" dirty="0" smtClean="0"/>
               <a:t> </a:t>
-            </a:r>
-            <a:r>
-              <a:rPr lang="de-DE" sz="2200" dirty="0" err="1" smtClean="0"/>
-              <a:t>seen</a:t>
-            </a:r>
-            <a:r>
-              <a:rPr lang="de-DE" sz="2200" dirty="0" smtClean="0"/>
-              <a:t> </a:t>
-            </a:r>
-            <a:r>
-              <a:rPr lang="de-DE" sz="2200" dirty="0" err="1" smtClean="0"/>
-              <a:t>slides</a:t>
-            </a:r>
-            <a:r>
-              <a:rPr lang="de-DE" sz="2200" dirty="0" smtClean="0"/>
-              <a:t>, </a:t>
             </a:r>
             <a:r>
               <a:rPr lang="de-DE" sz="2200" dirty="0" err="1" smtClean="0"/>
@@ -6611,79 +6715,7 @@
             </a:r>
             <a:r>
               <a:rPr lang="de-DE" sz="2200" dirty="0" smtClean="0"/>
-              <a:t> </a:t>
-            </a:r>
-            <a:r>
-              <a:rPr lang="de-DE" sz="2200" dirty="0" err="1" smtClean="0"/>
-              <a:t>came</a:t>
-            </a:r>
-            <a:r>
-              <a:rPr lang="de-DE" sz="2200" dirty="0" smtClean="0"/>
-              <a:t> </a:t>
-            </a:r>
-            <a:r>
-              <a:rPr lang="de-DE" sz="2200" dirty="0" err="1" smtClean="0"/>
-              <a:t>to</a:t>
-            </a:r>
-            <a:r>
-              <a:rPr lang="de-DE" sz="2200" dirty="0" smtClean="0"/>
-              <a:t> </a:t>
-            </a:r>
-            <a:r>
-              <a:rPr lang="de-DE" sz="2200" dirty="0" err="1" smtClean="0"/>
-              <a:t>the</a:t>
-            </a:r>
-            <a:r>
-              <a:rPr lang="de-DE" sz="2200" dirty="0" smtClean="0"/>
-              <a:t> </a:t>
-            </a:r>
-            <a:r>
-              <a:rPr lang="de-DE" sz="2200" dirty="0" err="1" smtClean="0"/>
-              <a:t>conclusion</a:t>
-            </a:r>
-            <a:r>
-              <a:rPr lang="de-DE" sz="2200" dirty="0" smtClean="0"/>
-              <a:t> </a:t>
-            </a:r>
-            <a:r>
-              <a:rPr lang="de-DE" sz="2200" dirty="0" err="1" smtClean="0"/>
-              <a:t>that</a:t>
-            </a:r>
-            <a:r>
-              <a:rPr lang="de-DE" sz="2200" dirty="0" smtClean="0"/>
-              <a:t> </a:t>
-            </a:r>
-            <a:r>
-              <a:rPr lang="de-DE" sz="2200" dirty="0" err="1" smtClean="0"/>
-              <a:t>we</a:t>
-            </a:r>
-            <a:r>
-              <a:rPr lang="de-DE" sz="2200" dirty="0" smtClean="0"/>
-              <a:t> </a:t>
-            </a:r>
-            <a:r>
-              <a:rPr lang="de-DE" sz="2200" dirty="0" err="1" smtClean="0"/>
-              <a:t>are</a:t>
-            </a:r>
-            <a:r>
-              <a:rPr lang="de-DE" sz="2200" dirty="0" smtClean="0"/>
-              <a:t> </a:t>
-            </a:r>
-            <a:r>
-              <a:rPr lang="de-DE" sz="2200" dirty="0" err="1" smtClean="0"/>
-              <a:t>going</a:t>
-            </a:r>
-            <a:r>
-              <a:rPr lang="de-DE" sz="2200" dirty="0" smtClean="0"/>
-              <a:t> </a:t>
-            </a:r>
-            <a:r>
-              <a:rPr lang="de-DE" sz="2200" dirty="0" err="1" smtClean="0"/>
-              <a:t>to</a:t>
-            </a:r>
-            <a:r>
-              <a:rPr lang="de-DE" sz="2200" dirty="0" smtClean="0"/>
-              <a:t> </a:t>
+              <a:t> will </a:t>
             </a:r>
             <a:r>
               <a:rPr lang="de-DE" sz="2200" dirty="0" err="1" smtClean="0"/>
@@ -6691,208 +6723,12 @@
             </a:r>
             <a:r>
               <a:rPr lang="de-DE" sz="2200" dirty="0" smtClean="0"/>
-              <a:t> an agile </a:t>
-            </a:r>
-            <a:r>
-              <a:rPr lang="de-DE" sz="2200" dirty="0" err="1" smtClean="0"/>
-              <a:t>development</a:t>
-            </a:r>
-            <a:r>
-              <a:rPr lang="de-DE" sz="2200" dirty="0" smtClean="0"/>
-              <a:t> </a:t>
-            </a:r>
-            <a:r>
-              <a:rPr lang="de-DE" sz="2200" dirty="0" err="1" smtClean="0"/>
-              <a:t>system</a:t>
-            </a:r>
-            <a:endParaRPr lang="de-DE" sz="2200" dirty="0" smtClean="0"/>
-          </a:p>
-          <a:p>
-            <a:pPr lvl="1"/>
-            <a:r>
-              <a:rPr lang="de-DE" sz="2200" dirty="0" err="1" smtClean="0"/>
-              <a:t>According</a:t>
-            </a:r>
-            <a:r>
-              <a:rPr lang="de-DE" sz="2200" dirty="0" smtClean="0"/>
-              <a:t> </a:t>
-            </a:r>
-            <a:r>
-              <a:rPr lang="de-DE" sz="2200" dirty="0" err="1" smtClean="0"/>
-              <a:t>to</a:t>
-            </a:r>
-            <a:r>
-              <a:rPr lang="de-DE" sz="2200" dirty="0" smtClean="0"/>
-              <a:t> </a:t>
-            </a:r>
-            <a:r>
-              <a:rPr lang="de-DE" sz="2200" dirty="0" err="1" smtClean="0"/>
-              <a:t>our</a:t>
-            </a:r>
-            <a:r>
-              <a:rPr lang="de-DE" sz="2200" dirty="0" smtClean="0"/>
-              <a:t> </a:t>
-            </a:r>
-            <a:r>
-              <a:rPr lang="de-DE" sz="2200" dirty="0" err="1" smtClean="0"/>
-              <a:t>knowledge</a:t>
-            </a:r>
-            <a:r>
-              <a:rPr lang="de-DE" sz="2200" dirty="0" smtClean="0"/>
-              <a:t> at </a:t>
-            </a:r>
-            <a:r>
-              <a:rPr lang="de-DE" sz="2200" dirty="0" err="1" smtClean="0"/>
-              <a:t>the</a:t>
-            </a:r>
-            <a:r>
-              <a:rPr lang="de-DE" sz="2200" dirty="0" smtClean="0"/>
-              <a:t> </a:t>
-            </a:r>
-            <a:r>
-              <a:rPr lang="de-DE" sz="2200" dirty="0" err="1" smtClean="0"/>
-              <a:t>moment</a:t>
-            </a:r>
-            <a:r>
-              <a:rPr lang="de-DE" sz="2200" dirty="0" smtClean="0"/>
-              <a:t> </a:t>
-            </a:r>
-            <a:r>
-              <a:rPr lang="de-DE" sz="2200" dirty="0" err="1" smtClean="0"/>
-              <a:t>we</a:t>
-            </a:r>
-            <a:r>
-              <a:rPr lang="de-DE" sz="2200" dirty="0" smtClean="0"/>
-              <a:t> will </a:t>
-            </a:r>
-            <a:r>
-              <a:rPr lang="de-DE" sz="2200" dirty="0" err="1" smtClean="0"/>
-              <a:t>use</a:t>
-            </a:r>
-            <a:r>
-              <a:rPr lang="de-DE" sz="2200" dirty="0" smtClean="0"/>
               <a:t> </a:t>
             </a:r>
             <a:r>
               <a:rPr lang="de-DE" sz="2200" dirty="0" err="1" smtClean="0"/>
               <a:t>XtremeProgramming</a:t>
             </a:r>
-            <a:endParaRPr lang="de-DE" sz="2200" dirty="0"/>
-          </a:p>
-          <a:p>
-            <a:pPr lvl="1"/>
-            <a:r>
-              <a:rPr lang="de-DE" sz="2200" dirty="0" err="1" smtClean="0"/>
-              <a:t>For</a:t>
-            </a:r>
-            <a:r>
-              <a:rPr lang="de-DE" sz="2200" dirty="0" smtClean="0"/>
-              <a:t> </a:t>
-            </a:r>
-            <a:r>
-              <a:rPr lang="de-DE" sz="2200" dirty="0" err="1" smtClean="0"/>
-              <a:t>questions</a:t>
-            </a:r>
-            <a:r>
-              <a:rPr lang="de-DE" sz="2200" dirty="0" smtClean="0"/>
-              <a:t> on </a:t>
-            </a:r>
-            <a:r>
-              <a:rPr lang="de-DE" sz="2200" dirty="0" err="1" smtClean="0"/>
-              <a:t>the</a:t>
-            </a:r>
-            <a:r>
-              <a:rPr lang="de-DE" sz="2200" dirty="0" smtClean="0"/>
-              <a:t> </a:t>
-            </a:r>
-            <a:r>
-              <a:rPr lang="de-DE" sz="2200" dirty="0" err="1" smtClean="0"/>
-              <a:t>part</a:t>
-            </a:r>
-            <a:r>
-              <a:rPr lang="de-DE" sz="2200" dirty="0" smtClean="0"/>
-              <a:t> </a:t>
-            </a:r>
-            <a:r>
-              <a:rPr lang="de-DE" sz="2200" dirty="0" err="1" smtClean="0"/>
-              <a:t>of</a:t>
-            </a:r>
-            <a:r>
-              <a:rPr lang="de-DE" sz="2200" dirty="0" smtClean="0"/>
-              <a:t> </a:t>
-            </a:r>
-            <a:r>
-              <a:rPr lang="de-DE" sz="2200" dirty="0" err="1" smtClean="0"/>
-              <a:t>the</a:t>
-            </a:r>
-            <a:r>
-              <a:rPr lang="de-DE" sz="2200" dirty="0" smtClean="0"/>
-              <a:t> </a:t>
-            </a:r>
-            <a:r>
-              <a:rPr lang="de-DE" sz="2200" dirty="0" err="1" smtClean="0"/>
-              <a:t>customer</a:t>
-            </a:r>
-            <a:r>
-              <a:rPr lang="de-DE" sz="2200" dirty="0" smtClean="0"/>
-              <a:t>, </a:t>
-            </a:r>
-            <a:r>
-              <a:rPr lang="de-DE" sz="2200" dirty="0" err="1" smtClean="0"/>
-              <a:t>we</a:t>
-            </a:r>
-            <a:r>
-              <a:rPr lang="de-DE" sz="2200" dirty="0" smtClean="0"/>
-              <a:t> </a:t>
-            </a:r>
-            <a:r>
-              <a:rPr lang="de-DE" sz="2200" dirty="0" err="1" smtClean="0"/>
-              <a:t>nominated</a:t>
-            </a:r>
-            <a:r>
-              <a:rPr lang="de-DE" sz="2200" dirty="0" smtClean="0"/>
-              <a:t> Mr. Raffael Kapp </a:t>
-            </a:r>
-            <a:r>
-              <a:rPr lang="de-DE" sz="2200" dirty="0" err="1" smtClean="0"/>
-              <a:t>as</a:t>
-            </a:r>
-            <a:r>
-              <a:rPr lang="de-DE" sz="2200" dirty="0" smtClean="0"/>
-              <a:t> </a:t>
-            </a:r>
-            <a:r>
-              <a:rPr lang="de-DE" sz="2200" dirty="0" err="1" smtClean="0"/>
-              <a:t>the</a:t>
-            </a:r>
-            <a:r>
-              <a:rPr lang="de-DE" sz="2200" dirty="0" smtClean="0"/>
-              <a:t> </a:t>
-            </a:r>
-            <a:r>
-              <a:rPr lang="de-DE" sz="2200" dirty="0" err="1" smtClean="0"/>
-              <a:t>central</a:t>
-            </a:r>
-            <a:r>
-              <a:rPr lang="de-DE" sz="2200" dirty="0" smtClean="0"/>
-              <a:t> </a:t>
-            </a:r>
-            <a:r>
-              <a:rPr lang="de-DE" sz="2200" dirty="0" err="1" smtClean="0"/>
-              <a:t>contact</a:t>
-            </a:r>
-            <a:r>
-              <a:rPr lang="de-DE" sz="2200" dirty="0" smtClean="0"/>
-              <a:t> </a:t>
-            </a:r>
-            <a:r>
-              <a:rPr lang="de-DE" sz="2200" dirty="0" err="1" smtClean="0"/>
-              <a:t>person</a:t>
-            </a:r>
-            <a:endParaRPr lang="de-DE" sz="2200" dirty="0" smtClean="0"/>
-          </a:p>
-          <a:p>
-            <a:pPr lvl="1"/>
             <a:endParaRPr lang="de-DE" sz="2200" dirty="0"/>
           </a:p>
         </p:txBody>
@@ -6979,7 +6815,7 @@
             <p:ph idx="1"/>
             <p:extLst>
               <p:ext uri="{D42A27DB-BD31-4B8C-83A1-F6EECF244321}">
-                <p14:modId xmlns:p14="http://schemas.microsoft.com/office/powerpoint/2010/main" val="4015474402"/>
+                <p14:modId xmlns:p14="http://schemas.microsoft.com/office/powerpoint/2010/main" val="889378504"/>
               </p:ext>
             </p:extLst>
           </p:nvPr>
@@ -7181,19 +7017,27 @@
                       <a:pPr algn="ctr"/>
                       <a:r>
                         <a:rPr lang="de-AT" dirty="0" err="1" smtClean="0"/>
-                        <a:t>develope</a:t>
+                        <a:t>developer</a:t>
                       </a:r>
                       <a:r>
                         <a:rPr lang="de-AT" dirty="0" smtClean="0"/>
-                        <a:t> / </a:t>
+                        <a:t> </a:t>
                       </a:r>
                       <a:r>
-                        <a:rPr lang="de-AT" dirty="0" err="1" smtClean="0"/>
-                        <a:t>programme</a:t>
+                        <a:rPr lang="de-AT" dirty="0" smtClean="0"/>
+                        <a:t>/ </a:t>
+                      </a:r>
+                      <a:r>
+                        <a:rPr lang="de-AT" smtClean="0"/>
+                        <a:t>programmer</a:t>
+                      </a:r>
+                      <a:r>
+                        <a:rPr lang="de-AT" baseline="0" smtClean="0"/>
+                        <a:t> </a:t>
                       </a:r>
                       <a:r>
                         <a:rPr lang="de-AT" baseline="0" dirty="0" smtClean="0"/>
-                        <a:t> / </a:t>
+                        <a:t>/ </a:t>
                       </a:r>
                       <a:r>
                         <a:rPr lang="de-AT" baseline="0" dirty="0" err="1" smtClean="0"/>

--- a/ch.bfh.btx8081.w2013.blue/doc/task02/task02.pptx
+++ b/ch.bfh.btx8081.w2013.blue/doc/task02/task02.pptx
@@ -110,7 +110,7 @@
   </p:defaultTextStyle>
   <p:extLst>
     <p:ext uri="{EFAFB233-063F-42B5-8137-9DF3F51BA10A}">
-      <p15:sldGuideLst xmlns="" xmlns:p15="http://schemas.microsoft.com/office/powerpoint/2012/main">
+      <p15:sldGuideLst xmlns:p15="http://schemas.microsoft.com/office/powerpoint/2012/main" xmlns="">
         <p15:guide id="1" orient="horz" pos="2160">
           <p15:clr>
             <a:srgbClr val="A4A3A4"/>
@@ -351,7 +351,7 @@
           <a:p>
             <a:fld id="{7CE38E4D-051A-41E1-86A4-E56916468FD0}" type="datetimeFigureOut">
               <a:rPr lang="en-US" smtClean="0"/>
-              <a:t>27.09.13</a:t>
+              <a:t>9/27/2013</a:t>
             </a:fld>
             <a:endParaRPr lang="en-US"/>
           </a:p>
@@ -685,7 +685,7 @@
           <a:p>
             <a:fld id="{7CE38E4D-051A-41E1-86A4-E56916468FD0}" type="datetimeFigureOut">
               <a:rPr lang="en-US" smtClean="0"/>
-              <a:t>27.09.13</a:t>
+              <a:t>9/27/2013</a:t>
             </a:fld>
             <a:endParaRPr lang="en-US"/>
           </a:p>
@@ -924,7 +924,7 @@
           <a:p>
             <a:fld id="{7CE38E4D-051A-41E1-86A4-E56916468FD0}" type="datetimeFigureOut">
               <a:rPr lang="en-US" smtClean="0"/>
-              <a:t>27.09.13</a:t>
+              <a:t>9/27/2013</a:t>
             </a:fld>
             <a:endParaRPr lang="en-US"/>
           </a:p>
@@ -1224,7 +1224,7 @@
           <a:p>
             <a:fld id="{7CE38E4D-051A-41E1-86A4-E56916468FD0}" type="datetimeFigureOut">
               <a:rPr lang="en-US" smtClean="0"/>
-              <a:t>27.09.13</a:t>
+              <a:t>9/27/2013</a:t>
             </a:fld>
             <a:endParaRPr lang="en-US"/>
           </a:p>
@@ -1440,7 +1440,7 @@
           <a:p>
             <a:fld id="{7CE38E4D-051A-41E1-86A4-E56916468FD0}" type="datetimeFigureOut">
               <a:rPr lang="en-US" smtClean="0"/>
-              <a:t>27.09.13</a:t>
+              <a:t>9/27/2013</a:t>
             </a:fld>
             <a:endParaRPr lang="en-US"/>
           </a:p>
@@ -1800,7 +1800,7 @@
           <a:p>
             <a:fld id="{7CE38E4D-051A-41E1-86A4-E56916468FD0}" type="datetimeFigureOut">
               <a:rPr lang="en-US" smtClean="0"/>
-              <a:t>27.09.13</a:t>
+              <a:t>9/27/2013</a:t>
             </a:fld>
             <a:endParaRPr lang="en-US"/>
           </a:p>
@@ -2067,7 +2067,7 @@
           <a:p>
             <a:fld id="{7CE38E4D-051A-41E1-86A4-E56916468FD0}" type="datetimeFigureOut">
               <a:rPr lang="en-US" smtClean="0"/>
-              <a:t>27.09.13</a:t>
+              <a:t>9/27/2013</a:t>
             </a:fld>
             <a:endParaRPr lang="en-US"/>
           </a:p>
@@ -2157,7 +2157,7 @@
           <a:p>
             <a:fld id="{7CE38E4D-051A-41E1-86A4-E56916468FD0}" type="datetimeFigureOut">
               <a:rPr lang="en-US" smtClean="0"/>
-              <a:t>27.09.13</a:t>
+              <a:t>9/27/2013</a:t>
             </a:fld>
             <a:endParaRPr lang="en-US"/>
           </a:p>
@@ -2458,7 +2458,7 @@
           <a:p>
             <a:fld id="{7CE38E4D-051A-41E1-86A4-E56916468FD0}" type="datetimeFigureOut">
               <a:rPr lang="en-US" smtClean="0"/>
-              <a:t>27.09.13</a:t>
+              <a:t>9/27/2013</a:t>
             </a:fld>
             <a:endParaRPr lang="en-US"/>
           </a:p>
@@ -2764,7 +2764,7 @@
           <a:p>
             <a:fld id="{7CE38E4D-051A-41E1-86A4-E56916468FD0}" type="datetimeFigureOut">
               <a:rPr lang="en-US" smtClean="0"/>
-              <a:t>27.09.13</a:t>
+              <a:t>9/27/2013</a:t>
             </a:fld>
             <a:endParaRPr lang="en-US"/>
           </a:p>
@@ -3044,7 +3044,7 @@
           <a:p>
             <a:fld id="{7CE38E4D-051A-41E1-86A4-E56916468FD0}" type="datetimeFigureOut">
               <a:rPr lang="en-US" smtClean="0"/>
-              <a:t>27.09.13</a:t>
+              <a:t>9/27/2013</a:t>
             </a:fld>
             <a:endParaRPr lang="en-US"/>
           </a:p>
@@ -3452,7 +3452,7 @@
           <a:p>
             <a:fld id="{7CE38E4D-051A-41E1-86A4-E56916468FD0}" type="datetimeFigureOut">
               <a:rPr lang="en-US" smtClean="0"/>
-              <a:t>27.09.13</a:t>
+              <a:t>9/27/2013</a:t>
             </a:fld>
             <a:endParaRPr lang="en-US"/>
           </a:p>
@@ -4012,7 +4012,7 @@
           <a:p>
             <a:fld id="{7CE38E4D-051A-41E1-86A4-E56916468FD0}" type="datetimeFigureOut">
               <a:rPr lang="en-US" smtClean="0"/>
-              <a:t>27.09.13</a:t>
+              <a:t>9/27/2013</a:t>
             </a:fld>
             <a:endParaRPr lang="en-US"/>
           </a:p>
@@ -4160,7 +4160,7 @@
           <a:p>
             <a:fld id="{7CE38E4D-051A-41E1-86A4-E56916468FD0}" type="datetimeFigureOut">
               <a:rPr lang="en-US" smtClean="0"/>
-              <a:t>27.09.13</a:t>
+              <a:t>9/27/2013</a:t>
             </a:fld>
             <a:endParaRPr lang="en-US"/>
           </a:p>
@@ -4250,7 +4250,7 @@
           <a:p>
             <a:fld id="{7CE38E4D-051A-41E1-86A4-E56916468FD0}" type="datetimeFigureOut">
               <a:rPr lang="en-US" smtClean="0"/>
-              <a:t>27.09.13</a:t>
+              <a:t>9/27/2013</a:t>
             </a:fld>
             <a:endParaRPr lang="en-US"/>
           </a:p>
@@ -4592,7 +4592,7 @@
           <a:p>
             <a:fld id="{7CE38E4D-051A-41E1-86A4-E56916468FD0}" type="datetimeFigureOut">
               <a:rPr lang="en-US" smtClean="0"/>
-              <a:t>27.09.13</a:t>
+              <a:t>9/27/2013</a:t>
             </a:fld>
             <a:endParaRPr lang="en-US"/>
           </a:p>
@@ -4801,7 +4801,7 @@
           <a:p>
             <a:fld id="{7CE38E4D-051A-41E1-86A4-E56916468FD0}" type="datetimeFigureOut">
               <a:rPr lang="en-US" smtClean="0"/>
-              <a:t>27.09.13</a:t>
+              <a:t>9/27/2013</a:t>
             </a:fld>
             <a:endParaRPr lang="en-US"/>
           </a:p>
@@ -5380,7 +5380,7 @@
   <p:timing>
     <p:tnLst>
       <p:par>
-        <p:cTn xmlns:p14="http://schemas.microsoft.com/office/powerpoint/2010/main" id="1" dur="indefinite" restart="never" nodeType="tmRoot"/>
+        <p:cTn id="1" dur="indefinite" restart="never" nodeType="tmRoot"/>
       </p:par>
     </p:tnLst>
   </p:timing>
@@ -5536,11 +5536,7 @@
             </a:r>
             <a:r>
               <a:rPr lang="de-DE" dirty="0" smtClean="0"/>
-              <a:t> </a:t>
-            </a:r>
-            <a:r>
-              <a:rPr lang="de-DE" dirty="0" smtClean="0"/>
-              <a:t>(</a:t>
+              <a:t> (</a:t>
             </a:r>
             <a:r>
               <a:rPr lang="de-DE" dirty="0" err="1" smtClean="0"/>
@@ -5914,7 +5910,7 @@
   <p:timing>
     <p:tnLst>
       <p:par>
-        <p:cTn xmlns:p14="http://schemas.microsoft.com/office/powerpoint/2010/main" id="1" dur="indefinite" restart="never" nodeType="tmRoot"/>
+        <p:cTn id="1" dur="indefinite" restart="never" nodeType="tmRoot"/>
       </p:par>
     </p:tnLst>
   </p:timing>
@@ -6521,7 +6517,7 @@
   <p:timing>
     <p:tnLst>
       <p:par>
-        <p:cTn xmlns:p14="http://schemas.microsoft.com/office/powerpoint/2010/main" id="1" dur="indefinite" restart="never" nodeType="tmRoot"/>
+        <p:cTn id="1" dur="indefinite" restart="never" nodeType="tmRoot"/>
       </p:par>
     </p:tnLst>
   </p:timing>
@@ -6746,7 +6742,7 @@
   <p:timing>
     <p:tnLst>
       <p:par>
-        <p:cTn xmlns:p14="http://schemas.microsoft.com/office/powerpoint/2010/main" id="1" dur="indefinite" restart="never" nodeType="tmRoot"/>
+        <p:cTn id="1" dur="indefinite" restart="never" nodeType="tmRoot"/>
       </p:par>
     </p:tnLst>
   </p:timing>
@@ -6815,14 +6811,14 @@
             <p:ph idx="1"/>
             <p:extLst>
               <p:ext uri="{D42A27DB-BD31-4B8C-83A1-F6EECF244321}">
-                <p14:modId xmlns:p14="http://schemas.microsoft.com/office/powerpoint/2010/main" val="889378504"/>
+                <p14:modId xmlns:p14="http://schemas.microsoft.com/office/powerpoint/2010/main" val="2282780004"/>
               </p:ext>
             </p:extLst>
           </p:nvPr>
         </p:nvGraphicFramePr>
         <p:xfrm>
           <a:off x="415925" y="2755900"/>
-          <a:ext cx="8308974" cy="3576319"/>
+          <a:ext cx="8308974" cy="2763520"/>
         </p:xfrm>
         <a:graphic>
           <a:graphicData uri="http://schemas.openxmlformats.org/drawingml/2006/table">
@@ -6969,8 +6965,16 @@
                     <a:p>
                       <a:pPr algn="l"/>
                       <a:r>
-                        <a:rPr lang="de-AT" dirty="0" err="1" smtClean="0"/>
-                        <a:t>complete</a:t>
+                        <a:rPr lang="de-AT" baseline="0" dirty="0" err="1" smtClean="0"/>
+                        <a:t>define</a:t>
+                      </a:r>
+                      <a:r>
+                        <a:rPr lang="de-AT" baseline="0" dirty="0" smtClean="0"/>
+                        <a:t> a </a:t>
+                      </a:r>
+                      <a:r>
+                        <a:rPr lang="de-AT" baseline="0" dirty="0" err="1" smtClean="0"/>
+                        <a:t>deadline</a:t>
                       </a:r>
                       <a:r>
                         <a:rPr lang="de-AT" baseline="0" dirty="0" smtClean="0"/>
@@ -6978,15 +6982,7 @@
                       </a:r>
                       <a:r>
                         <a:rPr lang="de-AT" baseline="0" dirty="0" err="1" smtClean="0"/>
-                        <a:t>project</a:t>
-                      </a:r>
-                      <a:r>
-                        <a:rPr lang="de-AT" baseline="0" dirty="0" smtClean="0"/>
-                        <a:t> </a:t>
-                      </a:r>
-                      <a:r>
-                        <a:rPr lang="de-AT" baseline="0" dirty="0" err="1" smtClean="0"/>
-                        <a:t>within</a:t>
+                        <a:t>for</a:t>
                       </a:r>
                       <a:r>
                         <a:rPr lang="de-AT" baseline="0" dirty="0" smtClean="0"/>
@@ -7002,7 +6998,7 @@
                       </a:r>
                       <a:r>
                         <a:rPr lang="de-AT" baseline="0" dirty="0" err="1" smtClean="0"/>
-                        <a:t>deadline</a:t>
+                        <a:t>project</a:t>
                       </a:r>
                       <a:endParaRPr lang="de-AT" dirty="0"/>
                     </a:p>
@@ -7017,38 +7013,137 @@
                       <a:pPr algn="ctr"/>
                       <a:r>
                         <a:rPr lang="de-AT" dirty="0" err="1" smtClean="0"/>
-                        <a:t>developer</a:t>
+                        <a:t>timeplan</a:t>
                       </a:r>
                       <a:r>
                         <a:rPr lang="de-AT" dirty="0" smtClean="0"/>
                         <a:t> </a:t>
                       </a:r>
                       <a:r>
-                        <a:rPr lang="de-AT" dirty="0" smtClean="0"/>
-                        <a:t>/ </a:t>
+                        <a:rPr lang="de-AT" dirty="0" err="1" smtClean="0"/>
+                        <a:t>for</a:t>
                       </a:r>
                       <a:r>
-                        <a:rPr lang="de-AT" smtClean="0"/>
-                        <a:t>programmer</a:t>
-                      </a:r>
-                      <a:r>
-                        <a:rPr lang="de-AT" baseline="0" smtClean="0"/>
+                        <a:rPr lang="de-AT" dirty="0" smtClean="0"/>
                         <a:t> </a:t>
                       </a:r>
                       <a:r>
+                        <a:rPr lang="de-AT" dirty="0" err="1" smtClean="0"/>
+                        <a:t>tasks</a:t>
+                      </a:r>
+                      <a:endParaRPr lang="de-AT" dirty="0"/>
+                    </a:p>
+                  </a:txBody>
+                  <a:tcPr/>
+                </a:tc>
+                <a:tc>
+                  <a:txBody>
+                    <a:bodyPr/>
+                    <a:lstStyle/>
+                    <a:p>
+                      <a:pPr algn="ctr"/>
+                      <a:r>
+                        <a:rPr lang="de-AT" dirty="0" err="1" smtClean="0"/>
+                        <a:t>customer</a:t>
+                      </a:r>
+                      <a:r>
                         <a:rPr lang="de-AT" baseline="0" dirty="0" smtClean="0"/>
-                        <a:t>/ </a:t>
+                        <a:t> &amp; </a:t>
                       </a:r>
                       <a:r>
                         <a:rPr lang="de-AT" baseline="0" dirty="0" err="1" smtClean="0"/>
-                        <a:t>test</a:t>
+                        <a:t>team</a:t>
+                      </a:r>
+                      <a:endParaRPr lang="de-AT" dirty="0"/>
+                    </a:p>
+                  </a:txBody>
+                  <a:tcPr/>
+                </a:tc>
+              </a:tr>
+              <a:tr h="370840">
+                <a:tc>
+                  <a:txBody>
+                    <a:bodyPr/>
+                    <a:lstStyle/>
+                    <a:p>
+                      <a:pPr algn="l"/>
+                      <a:r>
+                        <a:rPr lang="de-CH" sz="1800" b="0" i="0" kern="1200" dirty="0" err="1" smtClean="0">
+                          <a:solidFill>
+                            <a:schemeClr val="dk1"/>
+                          </a:solidFill>
+                          <a:effectLst/>
+                          <a:latin typeface="+mn-lt"/>
+                          <a:ea typeface="+mn-ea"/>
+                          <a:cs typeface="+mn-cs"/>
+                        </a:rPr>
+                        <a:t>develop</a:t>
+                      </a:r>
+                      <a:r>
+                        <a:rPr lang="de-CH" sz="1800" b="0" i="0" kern="1200" dirty="0" smtClean="0">
+                          <a:solidFill>
+                            <a:schemeClr val="dk1"/>
+                          </a:solidFill>
+                          <a:effectLst/>
+                          <a:latin typeface="+mn-lt"/>
+                          <a:ea typeface="+mn-ea"/>
+                          <a:cs typeface="+mn-cs"/>
+                        </a:rPr>
+                        <a:t>/</a:t>
+                      </a:r>
+                      <a:r>
+                        <a:rPr lang="de-CH" sz="1800" b="0" i="0" kern="1200" dirty="0" err="1" smtClean="0">
+                          <a:solidFill>
+                            <a:schemeClr val="dk1"/>
+                          </a:solidFill>
+                          <a:effectLst/>
+                          <a:latin typeface="+mn-lt"/>
+                          <a:ea typeface="+mn-ea"/>
+                          <a:cs typeface="+mn-cs"/>
+                        </a:rPr>
+                        <a:t>integrate</a:t>
+                      </a:r>
+                      <a:r>
+                        <a:rPr lang="de-CH" sz="1800" b="0" i="0" kern="1200" dirty="0" smtClean="0">
+                          <a:solidFill>
+                            <a:schemeClr val="dk1"/>
+                          </a:solidFill>
+                          <a:effectLst/>
+                          <a:latin typeface="+mn-lt"/>
+                          <a:ea typeface="+mn-ea"/>
+                          <a:cs typeface="+mn-cs"/>
+                        </a:rPr>
+                        <a:t>/</a:t>
+                      </a:r>
+                      <a:r>
+                        <a:rPr lang="de-CH" sz="1800" b="0" i="0" kern="1200" dirty="0" err="1" smtClean="0">
+                          <a:solidFill>
+                            <a:schemeClr val="dk1"/>
+                          </a:solidFill>
+                          <a:effectLst/>
+                          <a:latin typeface="+mn-lt"/>
+                          <a:ea typeface="+mn-ea"/>
+                          <a:cs typeface="+mn-cs"/>
+                        </a:rPr>
+                        <a:t>testing</a:t>
+                      </a:r>
+                      <a:endParaRPr lang="de-AT" dirty="0"/>
+                    </a:p>
+                  </a:txBody>
+                  <a:tcPr/>
+                </a:tc>
+                <a:tc>
+                  <a:txBody>
+                    <a:bodyPr/>
+                    <a:lstStyle/>
+                    <a:p>
+                      <a:pPr algn="ctr"/>
+                      <a:r>
+                        <a:rPr lang="de-AT" dirty="0" smtClean="0"/>
+                        <a:t>test-</a:t>
                       </a:r>
                       <a:r>
                         <a:rPr lang="de-AT" baseline="0" dirty="0" smtClean="0"/>
-                        <a:t> </a:t>
-                      </a:r>
-                      <a:r>
-                        <a:rPr lang="de-AT" baseline="0" dirty="0" err="1" smtClean="0"/>
                         <a:t>software</a:t>
                       </a:r>
                       <a:endParaRPr lang="de-AT" dirty="0"/>
@@ -7080,47 +7175,8 @@
                     <a:p>
                       <a:pPr algn="l"/>
                       <a:r>
-                        <a:rPr lang="de-AT" smtClean="0"/>
-                        <a:t>define test before programming, realization plan</a:t>
-                      </a:r>
-                      <a:endParaRPr lang="de-AT" dirty="0"/>
-                    </a:p>
-                  </a:txBody>
-                  <a:tcPr/>
-                </a:tc>
-                <a:tc>
-                  <a:txBody>
-                    <a:bodyPr/>
-                    <a:lstStyle/>
-                    <a:p>
-                      <a:pPr algn="ctr"/>
-                      <a:r>
                         <a:rPr lang="de-AT" dirty="0" err="1" smtClean="0"/>
-                        <a:t>beta</a:t>
-                      </a:r>
-                      <a:r>
-                        <a:rPr lang="de-AT" baseline="0" dirty="0" smtClean="0"/>
-                        <a:t> </a:t>
-                      </a:r>
-                      <a:r>
-                        <a:rPr lang="de-AT" baseline="0" dirty="0" err="1" smtClean="0"/>
-                        <a:t>releases</a:t>
-                      </a:r>
-                      <a:r>
-                        <a:rPr lang="de-AT" baseline="0" dirty="0" smtClean="0"/>
-                        <a:t> </a:t>
-                      </a:r>
-                      <a:r>
-                        <a:rPr lang="de-AT" baseline="0" dirty="0" err="1" smtClean="0"/>
-                        <a:t>of</a:t>
-                      </a:r>
-                      <a:r>
-                        <a:rPr lang="de-AT" baseline="0" dirty="0" smtClean="0"/>
-                        <a:t> </a:t>
-                      </a:r>
-                      <a:r>
-                        <a:rPr lang="de-AT" baseline="0" dirty="0" err="1" smtClean="0"/>
-                        <a:t>the</a:t>
+                        <a:t>provide</a:t>
                       </a:r>
                       <a:r>
                         <a:rPr lang="de-AT" baseline="0" dirty="0" smtClean="0"/>
@@ -7142,52 +7198,64 @@
                     <a:p>
                       <a:pPr algn="ctr"/>
                       <a:r>
-                        <a:rPr lang="de-AT" dirty="0" err="1" smtClean="0"/>
-                        <a:t>team</a:t>
-                      </a:r>
-                      <a:endParaRPr lang="de-AT" dirty="0"/>
-                    </a:p>
-                  </a:txBody>
-                  <a:tcPr/>
-                </a:tc>
-              </a:tr>
-              <a:tr h="370840">
-                <a:tc>
-                  <a:txBody>
-                    <a:bodyPr/>
-                    <a:lstStyle/>
-                    <a:p>
-                      <a:pPr algn="l"/>
-                      <a:r>
-                        <a:rPr lang="de-AT" smtClean="0"/>
-                        <a:t>provide</a:t>
+                        <a:rPr lang="de-CH" sz="1800" b="0" i="0" u="none" strike="noStrike" kern="1200" dirty="0" err="1" smtClean="0">
+                          <a:solidFill>
+                            <a:schemeClr val="dk1"/>
+                          </a:solidFill>
+                          <a:effectLst/>
+                          <a:latin typeface="+mn-lt"/>
+                          <a:ea typeface="+mn-ea"/>
+                          <a:cs typeface="+mn-cs"/>
+                        </a:rPr>
+                        <a:t>idea</a:t>
                       </a:r>
                       <a:r>
-                        <a:rPr lang="de-AT" baseline="0" smtClean="0"/>
-                        <a:t> software to the customer</a:t>
-                      </a:r>
-                      <a:endParaRPr lang="de-AT" dirty="0"/>
-                    </a:p>
-                  </a:txBody>
-                  <a:tcPr/>
-                </a:tc>
-                <a:tc>
-                  <a:txBody>
-                    <a:bodyPr/>
-                    <a:lstStyle/>
-                    <a:p>
-                      <a:pPr algn="ctr"/>
-                      <a:r>
-                        <a:rPr lang="de-AT" dirty="0" err="1" smtClean="0"/>
-                        <a:t>release</a:t>
-                      </a:r>
-                      <a:r>
-                        <a:rPr lang="de-AT" dirty="0" smtClean="0"/>
+                        <a:rPr lang="de-CH" sz="1800" b="0" i="0" u="none" strike="noStrike" kern="1200" baseline="0" dirty="0" smtClean="0">
+                          <a:solidFill>
+                            <a:schemeClr val="dk1"/>
+                          </a:solidFill>
+                          <a:effectLst/>
+                          <a:latin typeface="+mn-lt"/>
+                          <a:ea typeface="+mn-ea"/>
+                          <a:cs typeface="+mn-cs"/>
+                        </a:rPr>
                         <a:t> </a:t>
                       </a:r>
                       <a:r>
-                        <a:rPr lang="de-AT" dirty="0" err="1" smtClean="0"/>
-                        <a:t>software</a:t>
+                        <a:rPr lang="de-CH" sz="1800" b="0" i="0" u="none" strike="noStrike" kern="1200" baseline="0" dirty="0" err="1" smtClean="0">
+                          <a:solidFill>
+                            <a:schemeClr val="dk1"/>
+                          </a:solidFill>
+                          <a:effectLst/>
+                          <a:latin typeface="+mn-lt"/>
+                          <a:ea typeface="+mn-ea"/>
+                          <a:cs typeface="+mn-cs"/>
+                        </a:rPr>
+                        <a:t>for</a:t>
+                      </a:r>
+                      <a:r>
+                        <a:rPr lang="de-CH" sz="1800" b="0" i="0" u="none" strike="noStrike" kern="1200" baseline="0" dirty="0" smtClean="0">
+                          <a:solidFill>
+                            <a:schemeClr val="dk1"/>
+                          </a:solidFill>
+                          <a:effectLst/>
+                          <a:latin typeface="+mn-lt"/>
+                          <a:ea typeface="+mn-ea"/>
+                          <a:cs typeface="+mn-cs"/>
+                        </a:rPr>
+                        <a:t> </a:t>
+                      </a:r>
+                      <a:r>
+                        <a:rPr lang="de-CH" sz="1800" b="0" i="0" u="none" strike="noStrike" kern="1200" baseline="0" dirty="0" err="1" smtClean="0">
+                          <a:solidFill>
+                            <a:schemeClr val="dk1"/>
+                          </a:solidFill>
+                          <a:effectLst/>
+                          <a:latin typeface="+mn-lt"/>
+                          <a:ea typeface="+mn-ea"/>
+                          <a:cs typeface="+mn-cs"/>
+                        </a:rPr>
+                        <a:t>improvements</a:t>
                       </a:r>
                       <a:endParaRPr lang="de-AT" dirty="0"/>
                     </a:p>
@@ -7204,6 +7272,22 @@
                         <a:rPr lang="de-AT" dirty="0" err="1" smtClean="0"/>
                         <a:t>team</a:t>
                       </a:r>
+                      <a:r>
+                        <a:rPr lang="de-AT" baseline="0" dirty="0" smtClean="0"/>
+                        <a:t> &amp; </a:t>
+                      </a:r>
+                      <a:r>
+                        <a:rPr lang="de-AT" baseline="0" dirty="0" err="1" smtClean="0"/>
+                        <a:t>customer</a:t>
+                      </a:r>
+                      <a:r>
+                        <a:rPr lang="de-AT" baseline="0" dirty="0" smtClean="0"/>
+                        <a:t> &amp; </a:t>
+                      </a:r>
+                      <a:r>
+                        <a:rPr lang="de-AT" baseline="0" dirty="0" err="1" smtClean="0"/>
+                        <a:t>users</a:t>
+                      </a:r>
                       <a:endParaRPr lang="de-AT" dirty="0"/>
                     </a:p>
                   </a:txBody>
@@ -7218,7 +7302,7 @@
                     <a:p>
                       <a:pPr algn="l"/>
                       <a:r>
-                        <a:rPr lang="de-AT" smtClean="0"/>
+                        <a:rPr lang="de-AT" dirty="0" err="1" smtClean="0"/>
                         <a:t>applying</a:t>
                       </a:r>
                       <a:r>
@@ -7266,7 +7350,7 @@
                       <a:pPr algn="ctr"/>
                       <a:r>
                         <a:rPr lang="de-AT" dirty="0" err="1" smtClean="0"/>
-                        <a:t>evaluate</a:t>
+                        <a:t>evaluated</a:t>
                       </a:r>
                       <a:r>
                         <a:rPr lang="de-AT" baseline="0" dirty="0" smtClean="0"/>
@@ -7322,7 +7406,7 @@
   <p:timing>
     <p:tnLst>
       <p:par>
-        <p:cTn xmlns:p14="http://schemas.microsoft.com/office/powerpoint/2010/main" id="1" dur="indefinite" restart="never" nodeType="tmRoot"/>
+        <p:cTn id="1" dur="indefinite" restart="never" nodeType="tmRoot"/>
       </p:par>
     </p:tnLst>
   </p:timing>

--- a/ch.bfh.btx8081.w2013.blue/doc/task02/task02.pptx
+++ b/ch.bfh.btx8081.w2013.blue/doc/task02/task02.pptx
@@ -110,7 +110,7 @@
   </p:defaultTextStyle>
   <p:extLst>
     <p:ext uri="{EFAFB233-063F-42B5-8137-9DF3F51BA10A}">
-      <p15:sldGuideLst xmlns:p15="http://schemas.microsoft.com/office/powerpoint/2012/main" xmlns="">
+      <p15:sldGuideLst xmlns="" xmlns:p15="http://schemas.microsoft.com/office/powerpoint/2012/main">
         <p15:guide id="1" orient="horz" pos="2160">
           <p15:clr>
             <a:srgbClr val="A4A3A4"/>
@@ -5991,411 +5991,407 @@
           <a:lstStyle/>
           <a:p>
             <a:r>
-              <a:rPr lang="de-DE" i="1" dirty="0" smtClean="0"/>
+              <a:rPr lang="de-DE" dirty="0" smtClean="0"/>
               <a:t>plan-</a:t>
             </a:r>
             <a:r>
-              <a:rPr lang="de-DE" i="1" dirty="0" err="1" smtClean="0"/>
+              <a:rPr lang="de-DE" dirty="0" err="1" smtClean="0"/>
               <a:t>driven</a:t>
             </a:r>
             <a:r>
-              <a:rPr lang="de-DE" i="1" dirty="0" smtClean="0"/>
+              <a:rPr lang="de-DE" dirty="0" smtClean="0"/>
               <a:t>:</a:t>
             </a:r>
           </a:p>
           <a:p>
             <a:pPr lvl="1"/>
             <a:r>
-              <a:rPr lang="de-DE" i="1" dirty="0" err="1" smtClean="0"/>
+              <a:rPr lang="de-DE" dirty="0" smtClean="0"/>
+              <a:t>unflexible </a:t>
+            </a:r>
+            <a:r>
+              <a:rPr lang="de-DE" dirty="0" err="1" smtClean="0"/>
+              <a:t>system</a:t>
+            </a:r>
+            <a:r>
+              <a:rPr lang="de-DE" dirty="0" smtClean="0"/>
+              <a:t> </a:t>
+            </a:r>
+            <a:r>
+              <a:rPr lang="de-DE" dirty="0" err="1" smtClean="0"/>
+              <a:t>if</a:t>
+            </a:r>
+            <a:r>
+              <a:rPr lang="de-DE" dirty="0" smtClean="0"/>
+              <a:t> </a:t>
+            </a:r>
+            <a:r>
+              <a:rPr lang="de-DE" dirty="0" err="1" smtClean="0"/>
+              <a:t>changes</a:t>
+            </a:r>
+            <a:r>
+              <a:rPr lang="de-DE" dirty="0" smtClean="0"/>
+              <a:t> </a:t>
+            </a:r>
+            <a:r>
+              <a:rPr lang="de-DE" dirty="0" err="1" smtClean="0"/>
+              <a:t>are</a:t>
+            </a:r>
+            <a:r>
+              <a:rPr lang="de-DE" dirty="0" smtClean="0"/>
+              <a:t> </a:t>
+            </a:r>
+            <a:r>
+              <a:rPr lang="de-DE" dirty="0" err="1" smtClean="0"/>
+              <a:t>necessary</a:t>
+            </a:r>
+            <a:r>
+              <a:rPr lang="de-DE" dirty="0" smtClean="0"/>
+              <a:t> (</a:t>
+            </a:r>
+            <a:r>
+              <a:rPr lang="de-DE" dirty="0" err="1" smtClean="0"/>
+              <a:t>customer</a:t>
+            </a:r>
+            <a:r>
+              <a:rPr lang="de-DE" dirty="0" smtClean="0"/>
+              <a:t>)</a:t>
+            </a:r>
+            <a:endParaRPr lang="de-DE" dirty="0"/>
+          </a:p>
+          <a:p>
+            <a:pPr lvl="1"/>
+            <a:r>
+              <a:rPr lang="de-DE" dirty="0" err="1" smtClean="0"/>
+              <a:t>finding</a:t>
+            </a:r>
+            <a:r>
+              <a:rPr lang="de-DE" dirty="0" smtClean="0"/>
+              <a:t> </a:t>
+            </a:r>
+            <a:r>
+              <a:rPr lang="de-DE" dirty="0" err="1" smtClean="0"/>
+              <a:t>functions</a:t>
+            </a:r>
+            <a:r>
+              <a:rPr lang="de-DE" dirty="0" smtClean="0"/>
+              <a:t>, </a:t>
+            </a:r>
+            <a:r>
+              <a:rPr lang="de-DE" dirty="0" err="1" smtClean="0"/>
+              <a:t>which</a:t>
+            </a:r>
+            <a:r>
+              <a:rPr lang="de-DE" dirty="0" smtClean="0"/>
+              <a:t> </a:t>
+            </a:r>
+            <a:r>
+              <a:rPr lang="de-DE" dirty="0" err="1" smtClean="0"/>
+              <a:t>are</a:t>
+            </a:r>
+            <a:r>
+              <a:rPr lang="de-DE" dirty="0" smtClean="0"/>
+              <a:t> also </a:t>
+            </a:r>
+            <a:r>
+              <a:rPr lang="de-DE" dirty="0" err="1" smtClean="0"/>
+              <a:t>needed</a:t>
+            </a:r>
+            <a:r>
+              <a:rPr lang="de-DE" dirty="0" smtClean="0"/>
+              <a:t>, after </a:t>
+            </a:r>
+            <a:r>
+              <a:rPr lang="de-DE" dirty="0" err="1" smtClean="0"/>
+              <a:t>testing</a:t>
+            </a:r>
+            <a:r>
+              <a:rPr lang="de-DE" dirty="0" smtClean="0"/>
+              <a:t> </a:t>
+            </a:r>
+            <a:r>
+              <a:rPr lang="de-DE" dirty="0" err="1" smtClean="0"/>
+              <a:t>first</a:t>
+            </a:r>
+            <a:r>
+              <a:rPr lang="de-DE" dirty="0" smtClean="0"/>
+              <a:t> </a:t>
+            </a:r>
+            <a:r>
+              <a:rPr lang="de-DE" dirty="0" err="1" smtClean="0"/>
+              <a:t>release</a:t>
+            </a:r>
+            <a:r>
+              <a:rPr lang="de-DE" dirty="0" smtClean="0"/>
+              <a:t>, will </a:t>
+            </a:r>
+            <a:r>
+              <a:rPr lang="de-DE" dirty="0" err="1" smtClean="0"/>
+              <a:t>be</a:t>
+            </a:r>
+            <a:r>
+              <a:rPr lang="de-DE" dirty="0" smtClean="0"/>
+              <a:t> time-expensive </a:t>
+            </a:r>
+            <a:r>
+              <a:rPr lang="de-DE" dirty="0" err="1" smtClean="0"/>
+              <a:t>to</a:t>
+            </a:r>
+            <a:r>
+              <a:rPr lang="de-DE" dirty="0" smtClean="0"/>
+              <a:t> </a:t>
+            </a:r>
+            <a:r>
+              <a:rPr lang="de-DE" dirty="0" err="1" smtClean="0"/>
+              <a:t>implement</a:t>
+            </a:r>
+            <a:r>
+              <a:rPr lang="de-DE" dirty="0" smtClean="0"/>
+              <a:t> (</a:t>
+            </a:r>
+            <a:r>
+              <a:rPr lang="de-DE" dirty="0" err="1" smtClean="0"/>
+              <a:t>the</a:t>
+            </a:r>
+            <a:r>
+              <a:rPr lang="de-DE" dirty="0" smtClean="0"/>
+              <a:t> </a:t>
+            </a:r>
+            <a:r>
+              <a:rPr lang="de-DE" dirty="0" err="1" smtClean="0"/>
+              <a:t>client</a:t>
+            </a:r>
+            <a:r>
+              <a:rPr lang="de-DE" dirty="0" smtClean="0"/>
+              <a:t> </a:t>
+            </a:r>
+            <a:r>
+              <a:rPr lang="de-DE" dirty="0" err="1" smtClean="0"/>
+              <a:t>probably</a:t>
+            </a:r>
+            <a:r>
+              <a:rPr lang="de-DE" dirty="0" smtClean="0"/>
+              <a:t> </a:t>
+            </a:r>
+            <a:r>
+              <a:rPr lang="de-DE" dirty="0" err="1" smtClean="0"/>
+              <a:t>is</a:t>
+            </a:r>
+            <a:r>
+              <a:rPr lang="de-DE" dirty="0" smtClean="0"/>
+              <a:t> not </a:t>
+            </a:r>
+            <a:r>
+              <a:rPr lang="de-DE" dirty="0" err="1" smtClean="0"/>
+              <a:t>equal</a:t>
+            </a:r>
+            <a:r>
+              <a:rPr lang="de-DE" dirty="0" smtClean="0"/>
+              <a:t> </a:t>
+            </a:r>
+            <a:r>
+              <a:rPr lang="de-DE" dirty="0" err="1" smtClean="0"/>
+              <a:t>the</a:t>
+            </a:r>
+            <a:r>
+              <a:rPr lang="de-DE" dirty="0" smtClean="0"/>
+              <a:t> </a:t>
+            </a:r>
+            <a:r>
+              <a:rPr lang="de-DE" dirty="0" err="1" smtClean="0"/>
+              <a:t>user</a:t>
+            </a:r>
+            <a:r>
+              <a:rPr lang="de-DE" dirty="0" smtClean="0"/>
+              <a:t>) (</a:t>
+            </a:r>
+            <a:r>
+              <a:rPr lang="de-DE" dirty="0" err="1" smtClean="0"/>
+              <a:t>customer</a:t>
+            </a:r>
+            <a:r>
+              <a:rPr lang="de-DE" dirty="0" smtClean="0"/>
+              <a:t>)</a:t>
+            </a:r>
+          </a:p>
+          <a:p>
+            <a:pPr lvl="1"/>
+            <a:r>
+              <a:rPr lang="de-DE" dirty="0" err="1" smtClean="0"/>
               <a:t>very</a:t>
             </a:r>
             <a:r>
-              <a:rPr lang="de-DE" i="1" dirty="0" smtClean="0"/>
-              <a:t> unflexible </a:t>
-            </a:r>
-            <a:r>
-              <a:rPr lang="de-DE" i="1" dirty="0" err="1" smtClean="0"/>
+              <a:rPr lang="de-DE" dirty="0" smtClean="0"/>
+              <a:t> </a:t>
+            </a:r>
+            <a:r>
+              <a:rPr lang="de-DE" dirty="0" err="1" smtClean="0"/>
+              <a:t>certain</a:t>
+            </a:r>
+            <a:r>
+              <a:rPr lang="de-DE" dirty="0" smtClean="0"/>
+              <a:t>, </a:t>
+            </a:r>
+            <a:r>
+              <a:rPr lang="de-DE" dirty="0" err="1" smtClean="0"/>
+              <a:t>that</a:t>
+            </a:r>
+            <a:r>
+              <a:rPr lang="de-DE" dirty="0" smtClean="0"/>
+              <a:t> a </a:t>
+            </a:r>
+            <a:r>
+              <a:rPr lang="de-DE" dirty="0" err="1" smtClean="0"/>
+              <a:t>new</a:t>
+            </a:r>
+            <a:r>
+              <a:rPr lang="de-DE" dirty="0" smtClean="0"/>
+              <a:t> </a:t>
+            </a:r>
+            <a:r>
+              <a:rPr lang="de-DE" dirty="0" err="1" smtClean="0"/>
+              <a:t>software</a:t>
+            </a:r>
+            <a:r>
+              <a:rPr lang="de-DE" dirty="0" smtClean="0"/>
+              <a:t> </a:t>
+            </a:r>
+            <a:r>
+              <a:rPr lang="de-DE" dirty="0" err="1" smtClean="0"/>
+              <a:t>is</a:t>
+            </a:r>
+            <a:r>
+              <a:rPr lang="de-DE" dirty="0" smtClean="0"/>
+              <a:t> </a:t>
+            </a:r>
+            <a:r>
+              <a:rPr lang="de-DE" dirty="0" err="1" smtClean="0"/>
+              <a:t>needed</a:t>
+            </a:r>
+            <a:r>
+              <a:rPr lang="de-DE" dirty="0" smtClean="0"/>
+              <a:t>, at </a:t>
+            </a:r>
+            <a:r>
+              <a:rPr lang="de-DE" dirty="0" err="1" smtClean="0"/>
+              <a:t>the</a:t>
+            </a:r>
+            <a:r>
+              <a:rPr lang="de-DE" dirty="0" smtClean="0"/>
+              <a:t> </a:t>
+            </a:r>
+            <a:r>
+              <a:rPr lang="de-DE" dirty="0" err="1" smtClean="0"/>
+              <a:t>moment</a:t>
+            </a:r>
+            <a:r>
+              <a:rPr lang="de-DE" dirty="0" smtClean="0"/>
+              <a:t>, </a:t>
+            </a:r>
+            <a:r>
+              <a:rPr lang="de-DE" dirty="0" err="1" smtClean="0"/>
+              <a:t>the</a:t>
+            </a:r>
+            <a:r>
+              <a:rPr lang="de-DE" dirty="0" smtClean="0"/>
+              <a:t> </a:t>
+            </a:r>
+            <a:r>
+              <a:rPr lang="de-DE" dirty="0" err="1" smtClean="0"/>
+              <a:t>old</a:t>
+            </a:r>
+            <a:r>
+              <a:rPr lang="de-DE" dirty="0" smtClean="0"/>
+              <a:t> </a:t>
+            </a:r>
+            <a:r>
+              <a:rPr lang="de-DE" dirty="0" err="1" smtClean="0"/>
               <a:t>system</a:t>
             </a:r>
             <a:r>
-              <a:rPr lang="de-DE" i="1" dirty="0" smtClean="0"/>
+              <a:rPr lang="de-DE" dirty="0" smtClean="0"/>
               <a:t> </a:t>
             </a:r>
             <a:r>
-              <a:rPr lang="de-DE" i="1" dirty="0" err="1" smtClean="0"/>
-              <a:t>if</a:t>
-            </a:r>
-            <a:r>
-              <a:rPr lang="de-DE" i="1" dirty="0" smtClean="0"/>
+              <a:rPr lang="de-DE" dirty="0" err="1" smtClean="0"/>
+              <a:t>gets</a:t>
+            </a:r>
+            <a:r>
+              <a:rPr lang="de-DE" dirty="0" smtClean="0"/>
               <a:t> </a:t>
             </a:r>
             <a:r>
-              <a:rPr lang="de-DE" i="1" dirty="0" err="1" smtClean="0"/>
-              <a:t>changes</a:t>
-            </a:r>
-            <a:r>
-              <a:rPr lang="de-DE" i="1" dirty="0" smtClean="0"/>
+              <a:rPr lang="de-DE" dirty="0" err="1" smtClean="0"/>
+              <a:t>delivered</a:t>
+            </a:r>
+            <a:r>
+              <a:rPr lang="de-DE" dirty="0" smtClean="0"/>
+              <a:t> (</a:t>
+            </a:r>
+            <a:r>
+              <a:rPr lang="de-DE" dirty="0" err="1" smtClean="0"/>
+              <a:t>too</a:t>
+            </a:r>
+            <a:r>
+              <a:rPr lang="de-DE" dirty="0" smtClean="0"/>
               <a:t> </a:t>
             </a:r>
             <a:r>
-              <a:rPr lang="de-DE" i="1" dirty="0" err="1" smtClean="0"/>
-              <a:t>are</a:t>
-            </a:r>
-            <a:r>
-              <a:rPr lang="de-DE" i="1" dirty="0" smtClean="0"/>
+              <a:rPr lang="de-DE" dirty="0" err="1" smtClean="0"/>
+              <a:t>much</a:t>
+            </a:r>
+            <a:r>
+              <a:rPr lang="de-DE" dirty="0" smtClean="0"/>
               <a:t> </a:t>
             </a:r>
             <a:r>
-              <a:rPr lang="de-DE" i="1" dirty="0" err="1" smtClean="0"/>
-              <a:t>necessary</a:t>
-            </a:r>
-            <a:r>
-              <a:rPr lang="de-DE" i="1" dirty="0" smtClean="0"/>
-              <a:t> (</a:t>
-            </a:r>
-            <a:r>
-              <a:rPr lang="de-DE" i="1" dirty="0" err="1" smtClean="0"/>
+              <a:rPr lang="de-DE" dirty="0" err="1" smtClean="0"/>
+              <a:t>other</a:t>
+            </a:r>
+            <a:r>
+              <a:rPr lang="de-DE" dirty="0" smtClean="0"/>
+              <a:t> &amp; </a:t>
+            </a:r>
+            <a:r>
+              <a:rPr lang="de-DE" dirty="0" err="1" smtClean="0"/>
+              <a:t>new</a:t>
+            </a:r>
+            <a:r>
+              <a:rPr lang="de-DE" dirty="0" smtClean="0"/>
+              <a:t> </a:t>
+            </a:r>
+            <a:r>
+              <a:rPr lang="de-DE" dirty="0" err="1" smtClean="0"/>
+              <a:t>functions</a:t>
+            </a:r>
+            <a:r>
+              <a:rPr lang="de-DE" dirty="0" smtClean="0"/>
+              <a:t> </a:t>
+            </a:r>
+            <a:r>
+              <a:rPr lang="de-DE" dirty="0" err="1" smtClean="0"/>
+              <a:t>needed</a:t>
+            </a:r>
+            <a:r>
+              <a:rPr lang="de-DE" dirty="0" smtClean="0"/>
+              <a:t>) (</a:t>
+            </a:r>
+            <a:r>
+              <a:rPr lang="de-DE" dirty="0" err="1" smtClean="0"/>
               <a:t>customer</a:t>
             </a:r>
             <a:r>
-              <a:rPr lang="de-DE" i="1" dirty="0" smtClean="0"/>
+              <a:rPr lang="de-DE" dirty="0" smtClean="0"/>
               <a:t>)</a:t>
             </a:r>
-            <a:endParaRPr lang="de-DE" i="1" dirty="0"/>
-          </a:p>
-          <a:p>
-            <a:pPr lvl="1"/>
-            <a:r>
-              <a:rPr lang="de-DE" i="1" dirty="0" err="1" smtClean="0"/>
-              <a:t>finding</a:t>
-            </a:r>
-            <a:r>
-              <a:rPr lang="de-DE" i="1" dirty="0" smtClean="0"/>
-              <a:t> </a:t>
-            </a:r>
-            <a:r>
-              <a:rPr lang="de-DE" i="1" dirty="0" err="1" smtClean="0"/>
-              <a:t>functions</a:t>
-            </a:r>
-            <a:r>
-              <a:rPr lang="de-DE" i="1" dirty="0" smtClean="0"/>
-              <a:t>, </a:t>
-            </a:r>
-            <a:r>
-              <a:rPr lang="de-DE" i="1" dirty="0" err="1" smtClean="0"/>
-              <a:t>which</a:t>
-            </a:r>
-            <a:r>
-              <a:rPr lang="de-DE" i="1" dirty="0" smtClean="0"/>
-              <a:t> </a:t>
-            </a:r>
-            <a:r>
-              <a:rPr lang="de-DE" i="1" dirty="0" err="1" smtClean="0"/>
-              <a:t>are</a:t>
-            </a:r>
-            <a:r>
-              <a:rPr lang="de-DE" i="1" dirty="0" smtClean="0"/>
-              <a:t> also </a:t>
-            </a:r>
-            <a:r>
-              <a:rPr lang="de-DE" i="1" dirty="0" err="1" smtClean="0"/>
-              <a:t>needed</a:t>
-            </a:r>
-            <a:r>
-              <a:rPr lang="de-DE" i="1" dirty="0" smtClean="0"/>
-              <a:t>, after </a:t>
-            </a:r>
-            <a:r>
-              <a:rPr lang="de-DE" i="1" dirty="0" err="1" smtClean="0"/>
-              <a:t>testing</a:t>
-            </a:r>
-            <a:r>
-              <a:rPr lang="de-DE" i="1" dirty="0" smtClean="0"/>
-              <a:t> </a:t>
-            </a:r>
-            <a:r>
-              <a:rPr lang="de-DE" i="1" dirty="0" err="1" smtClean="0"/>
-              <a:t>first</a:t>
-            </a:r>
-            <a:r>
-              <a:rPr lang="de-DE" i="1" dirty="0" smtClean="0"/>
-              <a:t> </a:t>
-            </a:r>
-            <a:r>
-              <a:rPr lang="de-DE" i="1" dirty="0" err="1" smtClean="0"/>
-              <a:t>release</a:t>
-            </a:r>
-            <a:r>
-              <a:rPr lang="de-DE" i="1" dirty="0" smtClean="0"/>
-              <a:t>, will </a:t>
-            </a:r>
-            <a:r>
-              <a:rPr lang="de-DE" i="1" dirty="0" err="1" smtClean="0"/>
-              <a:t>be</a:t>
-            </a:r>
-            <a:r>
-              <a:rPr lang="de-DE" i="1" dirty="0" smtClean="0"/>
-              <a:t> time-expensive </a:t>
-            </a:r>
-            <a:r>
-              <a:rPr lang="de-DE" i="1" dirty="0" err="1" smtClean="0"/>
-              <a:t>to</a:t>
-            </a:r>
-            <a:r>
-              <a:rPr lang="de-DE" i="1" dirty="0" smtClean="0"/>
-              <a:t> </a:t>
-            </a:r>
-            <a:r>
-              <a:rPr lang="de-DE" i="1" dirty="0" err="1" smtClean="0"/>
-              <a:t>implement</a:t>
-            </a:r>
-            <a:r>
-              <a:rPr lang="de-DE" i="1" dirty="0" smtClean="0"/>
-              <a:t> (</a:t>
-            </a:r>
-            <a:r>
-              <a:rPr lang="de-DE" i="1" dirty="0" err="1" smtClean="0"/>
-              <a:t>the</a:t>
-            </a:r>
-            <a:r>
-              <a:rPr lang="de-DE" i="1" dirty="0" smtClean="0"/>
-              <a:t> </a:t>
-            </a:r>
-            <a:r>
-              <a:rPr lang="de-DE" i="1" dirty="0" err="1" smtClean="0"/>
-              <a:t>client</a:t>
-            </a:r>
-            <a:r>
-              <a:rPr lang="de-DE" i="1" dirty="0" smtClean="0"/>
-              <a:t> </a:t>
-            </a:r>
-            <a:r>
-              <a:rPr lang="de-DE" i="1" dirty="0" err="1" smtClean="0"/>
-              <a:t>probably</a:t>
-            </a:r>
-            <a:r>
-              <a:rPr lang="de-DE" i="1" dirty="0" smtClean="0"/>
-              <a:t> </a:t>
-            </a:r>
-            <a:r>
-              <a:rPr lang="de-DE" i="1" dirty="0" err="1" smtClean="0"/>
-              <a:t>is</a:t>
-            </a:r>
-            <a:r>
-              <a:rPr lang="de-DE" i="1" dirty="0" smtClean="0"/>
-              <a:t> not </a:t>
-            </a:r>
-            <a:r>
-              <a:rPr lang="de-DE" i="1" dirty="0" err="1" smtClean="0"/>
-              <a:t>equal</a:t>
-            </a:r>
-            <a:r>
-              <a:rPr lang="de-DE" i="1" dirty="0" smtClean="0"/>
-              <a:t> </a:t>
-            </a:r>
-            <a:r>
-              <a:rPr lang="de-DE" i="1" dirty="0" err="1" smtClean="0"/>
-              <a:t>the</a:t>
-            </a:r>
-            <a:r>
-              <a:rPr lang="de-DE" i="1" dirty="0" smtClean="0"/>
-              <a:t> </a:t>
-            </a:r>
-            <a:r>
-              <a:rPr lang="de-DE" i="1" dirty="0" err="1" smtClean="0"/>
-              <a:t>user</a:t>
-            </a:r>
-            <a:r>
-              <a:rPr lang="de-DE" i="1" dirty="0" smtClean="0"/>
-              <a:t>) (</a:t>
-            </a:r>
-            <a:r>
-              <a:rPr lang="de-DE" i="1" dirty="0" err="1" smtClean="0"/>
-              <a:t>customer</a:t>
-            </a:r>
-            <a:r>
-              <a:rPr lang="de-DE" i="1" dirty="0" smtClean="0"/>
-              <a:t>)</a:t>
-            </a:r>
-          </a:p>
-          <a:p>
-            <a:pPr lvl="1"/>
-            <a:r>
-              <a:rPr lang="de-DE" i="1" dirty="0" err="1" smtClean="0"/>
-              <a:t>very</a:t>
-            </a:r>
-            <a:r>
-              <a:rPr lang="de-DE" i="1" dirty="0" smtClean="0"/>
-              <a:t> </a:t>
-            </a:r>
-            <a:r>
-              <a:rPr lang="de-DE" i="1" dirty="0" err="1" smtClean="0"/>
-              <a:t>certain</a:t>
-            </a:r>
-            <a:r>
-              <a:rPr lang="de-DE" i="1" dirty="0" smtClean="0"/>
-              <a:t>, </a:t>
-            </a:r>
-            <a:r>
-              <a:rPr lang="de-DE" i="1" dirty="0" err="1" smtClean="0"/>
-              <a:t>that</a:t>
-            </a:r>
-            <a:r>
-              <a:rPr lang="de-DE" i="1" dirty="0" smtClean="0"/>
-              <a:t> a </a:t>
-            </a:r>
-            <a:r>
-              <a:rPr lang="de-DE" i="1" dirty="0" err="1" smtClean="0"/>
-              <a:t>new</a:t>
-            </a:r>
-            <a:r>
-              <a:rPr lang="de-DE" i="1" dirty="0" smtClean="0"/>
-              <a:t> </a:t>
-            </a:r>
-            <a:r>
-              <a:rPr lang="de-DE" i="1" dirty="0" err="1" smtClean="0"/>
-              <a:t>software</a:t>
-            </a:r>
-            <a:r>
-              <a:rPr lang="de-DE" i="1" dirty="0" smtClean="0"/>
-              <a:t> </a:t>
-            </a:r>
-            <a:r>
-              <a:rPr lang="de-DE" i="1" dirty="0" err="1" smtClean="0"/>
-              <a:t>is</a:t>
-            </a:r>
-            <a:r>
-              <a:rPr lang="de-DE" i="1" dirty="0" smtClean="0"/>
-              <a:t> </a:t>
-            </a:r>
-            <a:r>
-              <a:rPr lang="de-DE" i="1" dirty="0" err="1" smtClean="0"/>
-              <a:t>needed</a:t>
-            </a:r>
-            <a:r>
-              <a:rPr lang="de-DE" i="1" dirty="0" smtClean="0"/>
-              <a:t>, at </a:t>
-            </a:r>
-            <a:r>
-              <a:rPr lang="de-DE" i="1" dirty="0" err="1" smtClean="0"/>
-              <a:t>the</a:t>
-            </a:r>
-            <a:r>
-              <a:rPr lang="de-DE" i="1" dirty="0" smtClean="0"/>
-              <a:t> </a:t>
-            </a:r>
-            <a:r>
-              <a:rPr lang="de-DE" i="1" dirty="0" err="1" smtClean="0"/>
-              <a:t>moment</a:t>
-            </a:r>
-            <a:r>
-              <a:rPr lang="de-DE" i="1" dirty="0" smtClean="0"/>
-              <a:t>, </a:t>
-            </a:r>
-            <a:r>
-              <a:rPr lang="de-DE" i="1" dirty="0" err="1" smtClean="0"/>
-              <a:t>the</a:t>
-            </a:r>
-            <a:r>
-              <a:rPr lang="de-DE" i="1" dirty="0" smtClean="0"/>
-              <a:t> </a:t>
-            </a:r>
-            <a:r>
-              <a:rPr lang="de-DE" i="1" dirty="0" err="1" smtClean="0"/>
-              <a:t>old</a:t>
-            </a:r>
-            <a:r>
-              <a:rPr lang="de-DE" i="1" dirty="0" smtClean="0"/>
-              <a:t> </a:t>
-            </a:r>
-            <a:r>
-              <a:rPr lang="de-DE" i="1" dirty="0" err="1" smtClean="0"/>
-              <a:t>system</a:t>
-            </a:r>
-            <a:r>
-              <a:rPr lang="de-DE" i="1" dirty="0" smtClean="0"/>
-              <a:t> </a:t>
-            </a:r>
-            <a:r>
-              <a:rPr lang="de-DE" i="1" dirty="0" err="1" smtClean="0"/>
-              <a:t>gets</a:t>
-            </a:r>
-            <a:r>
-              <a:rPr lang="de-DE" i="1" dirty="0" smtClean="0"/>
-              <a:t> </a:t>
-            </a:r>
-            <a:r>
-              <a:rPr lang="de-DE" i="1" dirty="0" err="1" smtClean="0"/>
-              <a:t>delivered</a:t>
-            </a:r>
-            <a:r>
-              <a:rPr lang="de-DE" i="1" dirty="0" smtClean="0"/>
-              <a:t> (</a:t>
-            </a:r>
-            <a:r>
-              <a:rPr lang="de-DE" i="1" dirty="0" err="1" smtClean="0"/>
-              <a:t>too</a:t>
-            </a:r>
-            <a:r>
-              <a:rPr lang="de-DE" i="1" dirty="0" smtClean="0"/>
-              <a:t> </a:t>
-            </a:r>
-            <a:r>
-              <a:rPr lang="de-DE" i="1" dirty="0" err="1" smtClean="0"/>
-              <a:t>much</a:t>
-            </a:r>
-            <a:r>
-              <a:rPr lang="de-DE" i="1" dirty="0" smtClean="0"/>
-              <a:t> </a:t>
-            </a:r>
-            <a:r>
-              <a:rPr lang="de-DE" i="1" dirty="0" err="1" smtClean="0"/>
-              <a:t>other</a:t>
-            </a:r>
-            <a:r>
-              <a:rPr lang="de-DE" i="1" dirty="0" smtClean="0"/>
-              <a:t> &amp; </a:t>
-            </a:r>
-            <a:r>
-              <a:rPr lang="de-DE" i="1" dirty="0" err="1" smtClean="0"/>
-              <a:t>new</a:t>
-            </a:r>
-            <a:r>
-              <a:rPr lang="de-DE" i="1" dirty="0" smtClean="0"/>
-              <a:t> </a:t>
-            </a:r>
-            <a:r>
-              <a:rPr lang="de-DE" i="1" dirty="0" err="1" smtClean="0"/>
-              <a:t>functions</a:t>
-            </a:r>
-            <a:r>
-              <a:rPr lang="de-DE" i="1" dirty="0" smtClean="0"/>
-              <a:t> </a:t>
-            </a:r>
-            <a:r>
-              <a:rPr lang="de-DE" i="1" dirty="0" err="1" smtClean="0"/>
-              <a:t>needed</a:t>
-            </a:r>
-            <a:r>
-              <a:rPr lang="de-DE" i="1" dirty="0" smtClean="0"/>
-              <a:t>) (</a:t>
-            </a:r>
-            <a:r>
-              <a:rPr lang="de-DE" i="1" dirty="0" err="1" smtClean="0"/>
-              <a:t>customer</a:t>
-            </a:r>
-            <a:r>
-              <a:rPr lang="de-DE" i="1" dirty="0" smtClean="0"/>
-              <a:t>)</a:t>
-            </a:r>
-          </a:p>
-          <a:p>
-            <a:r>
-              <a:rPr lang="de-DE" i="1" dirty="0"/>
+          </a:p>
+          <a:p>
+            <a:r>
+              <a:rPr lang="de-DE" dirty="0"/>
               <a:t>a</a:t>
             </a:r>
             <a:r>
-              <a:rPr lang="de-DE" i="1" dirty="0" smtClean="0"/>
+              <a:rPr lang="de-DE" dirty="0" smtClean="0"/>
               <a:t>gile:</a:t>
             </a:r>
           </a:p>
@@ -6811,7 +6807,7 @@
             <p:ph idx="1"/>
             <p:extLst>
               <p:ext uri="{D42A27DB-BD31-4B8C-83A1-F6EECF244321}">
-                <p14:modId xmlns:p14="http://schemas.microsoft.com/office/powerpoint/2010/main" val="2282780004"/>
+                <p14:modId xmlns:p14="http://schemas.microsoft.com/office/powerpoint/2010/main" val="3390926268"/>
               </p:ext>
             </p:extLst>
           </p:nvPr>
@@ -6894,8 +6890,24 @@
                     <a:p>
                       <a:pPr algn="l"/>
                       <a:r>
-                        <a:rPr lang="de-AT" smtClean="0"/>
-                        <a:t>satisfy customer wishes</a:t>
+                        <a:rPr lang="de-AT" dirty="0" err="1" smtClean="0"/>
+                        <a:t>satisfy</a:t>
+                      </a:r>
+                      <a:r>
+                        <a:rPr lang="de-AT" dirty="0" smtClean="0"/>
+                        <a:t> </a:t>
+                      </a:r>
+                      <a:r>
+                        <a:rPr lang="de-AT" dirty="0" err="1" smtClean="0"/>
+                        <a:t>customer</a:t>
+                      </a:r>
+                      <a:r>
+                        <a:rPr lang="de-AT" dirty="0" smtClean="0"/>
+                        <a:t> </a:t>
+                      </a:r>
+                      <a:r>
+                        <a:rPr lang="de-AT" dirty="0" err="1" smtClean="0"/>
+                        <a:t>wishes</a:t>
                       </a:r>
                       <a:endParaRPr lang="de-AT" dirty="0"/>
                     </a:p>
@@ -7207,55 +7219,7 @@
                           <a:ea typeface="+mn-ea"/>
                           <a:cs typeface="+mn-cs"/>
                         </a:rPr>
-                        <a:t>idea</a:t>
-                      </a:r>
-                      <a:r>
-                        <a:rPr lang="de-CH" sz="1800" b="0" i="0" u="none" strike="noStrike" kern="1200" baseline="0" dirty="0" smtClean="0">
-                          <a:solidFill>
-                            <a:schemeClr val="dk1"/>
-                          </a:solidFill>
-                          <a:effectLst/>
-                          <a:latin typeface="+mn-lt"/>
-                          <a:ea typeface="+mn-ea"/>
-                          <a:cs typeface="+mn-cs"/>
-                        </a:rPr>
-                        <a:t> </a:t>
-                      </a:r>
-                      <a:r>
-                        <a:rPr lang="de-CH" sz="1800" b="0" i="0" u="none" strike="noStrike" kern="1200" baseline="0" dirty="0" err="1" smtClean="0">
-                          <a:solidFill>
-                            <a:schemeClr val="dk1"/>
-                          </a:solidFill>
-                          <a:effectLst/>
-                          <a:latin typeface="+mn-lt"/>
-                          <a:ea typeface="+mn-ea"/>
-                          <a:cs typeface="+mn-cs"/>
-                        </a:rPr>
-                        <a:t>for</a:t>
-                      </a:r>
-                      <a:r>
-                        <a:rPr lang="de-CH" sz="1800" b="0" i="0" u="none" strike="noStrike" kern="1200" baseline="0" dirty="0" smtClean="0">
-                          <a:solidFill>
-                            <a:schemeClr val="dk1"/>
-                          </a:solidFill>
-                          <a:effectLst/>
-                          <a:latin typeface="+mn-lt"/>
-                          <a:ea typeface="+mn-ea"/>
-                          <a:cs typeface="+mn-cs"/>
-                        </a:rPr>
-                        <a:t> </a:t>
-                      </a:r>
-                      <a:r>
-                        <a:rPr lang="de-CH" sz="1800" b="0" i="0" u="none" strike="noStrike" kern="1200" baseline="0" dirty="0" err="1" smtClean="0">
-                          <a:solidFill>
-                            <a:schemeClr val="dk1"/>
-                          </a:solidFill>
-                          <a:effectLst/>
-                          <a:latin typeface="+mn-lt"/>
-                          <a:ea typeface="+mn-ea"/>
-                          <a:cs typeface="+mn-cs"/>
-                        </a:rPr>
-                        <a:t>improvements</a:t>
+                        <a:t>feedback</a:t>
                       </a:r>
                       <a:endParaRPr lang="de-AT" dirty="0"/>
                     </a:p>
@@ -7323,15 +7287,11 @@
                       </a:r>
                       <a:r>
                         <a:rPr lang="de-AT" baseline="0" dirty="0" smtClean="0"/>
-                        <a:t> on </a:t>
-                      </a:r>
-                      <a:r>
-                        <a:rPr lang="de-AT" baseline="0" dirty="0" err="1" smtClean="0"/>
-                        <a:t>customer</a:t>
+                        <a:t> </a:t>
                       </a:r>
                       <a:r>
                         <a:rPr lang="de-AT" baseline="0" dirty="0" smtClean="0"/>
-                        <a:t> </a:t>
+                        <a:t>on </a:t>
                       </a:r>
                       <a:r>
                         <a:rPr lang="de-AT" baseline="0" dirty="0" err="1" smtClean="0"/>
@@ -7350,10 +7310,10 @@
                       <a:pPr algn="ctr"/>
                       <a:r>
                         <a:rPr lang="de-AT" dirty="0" err="1" smtClean="0"/>
-                        <a:t>evaluated</a:t>
+                        <a:t>optimized</a:t>
                       </a:r>
                       <a:r>
-                        <a:rPr lang="de-AT" baseline="0" dirty="0" smtClean="0"/>
+                        <a:rPr lang="de-AT" dirty="0" smtClean="0"/>
                         <a:t> </a:t>
                       </a:r>
                       <a:r>
